--- a/02_angular_cli/02_angular_cli.pptx
+++ b/02_angular_cli/02_angular_cli.pptx
@@ -7,7 +7,7 @@
     <p:sldMasterId id="2147483670" r:id="rId4"/>
   </p:sldMasterIdLst>
   <p:notesMasterIdLst>
-    <p:notesMasterId r:id="rId12"/>
+    <p:notesMasterId r:id="rId11"/>
   </p:notesMasterIdLst>
   <p:sldIdLst>
     <p:sldId id="314" r:id="rId5"/>
@@ -15,8 +15,10 @@
     <p:sldId id="515" r:id="rId7"/>
     <p:sldId id="484" r:id="rId8"/>
     <p:sldId id="496" r:id="rId9"/>
-    <p:sldId id="472" r:id="rId10"/>
-    <p:sldId id="464" r:id="rId11"/>
+    <p:sldId id="520" r:id="rId10"/>
+    <p:sldId id="521" r:id="rId12"/>
+    <p:sldId id="472" r:id="rId13"/>
+    <p:sldId id="464" r:id="rId14"/>
   </p:sldIdLst>
   <p:sldSz cx="12192000" cy="6858000"/>
   <p:notesSz cx="6858000" cy="9144000"/>
@@ -465,6 +467,50 @@
 </p:notesMaster>
 </file>
 
+<file path=ppt/notesSlides/notesSlide1.xml><?xml version="1.0" encoding="utf-8"?>
+<p:notes xmlns:a="http://schemas.openxmlformats.org/drawingml/2006/main" xmlns:r="http://schemas.openxmlformats.org/officeDocument/2006/relationships" xmlns:p="http://schemas.openxmlformats.org/presentationml/2006/main">
+  <p:cSld>
+    <p:spTree>
+      <p:nvGrpSpPr>
+        <p:cNvPr id="1" name=""/>
+        <p:cNvGrpSpPr/>
+        <p:nvPr/>
+      </p:nvGrpSpPr>
+      <p:grpSpPr/>
+      <p:sp>
+        <p:nvSpPr>
+          <p:cNvPr id="2" name="Marcador de posición de imagen de diapositiva 1"/>
+          <p:cNvSpPr/>
+          <p:nvPr>
+            <p:ph type="sldImg" idx="2"/>
+          </p:nvPr>
+        </p:nvSpPr>
+        <p:spPr/>
+      </p:sp>
+      <p:sp>
+        <p:nvSpPr>
+          <p:cNvPr id="3" name="Marcador de posición de texto 2"/>
+          <p:cNvSpPr/>
+          <p:nvPr>
+            <p:ph type="body" idx="3"/>
+          </p:nvPr>
+        </p:nvSpPr>
+        <p:spPr/>
+        <p:txBody>
+          <a:bodyPr/>
+          <a:p>
+            <a:endParaRPr lang="es-ES" altLang="en-US"/>
+          </a:p>
+        </p:txBody>
+      </p:sp>
+    </p:spTree>
+  </p:cSld>
+  <p:clrMapOvr>
+    <a:masterClrMapping/>
+  </p:clrMapOvr>
+</p:notes>
+</file>
+
 <file path=ppt/slideLayouts/slideLayout1.xml><?xml version="1.0" encoding="utf-8"?>
 <p:sldLayout xmlns:a="http://schemas.openxmlformats.org/drawingml/2006/main" xmlns:r="http://schemas.openxmlformats.org/officeDocument/2006/relationships" xmlns:p="http://schemas.openxmlformats.org/presentationml/2006/main" preserve="1" showMasterSp="0" userDrawn="1">
   <p:cSld name="Titulo 2 - negro - new">
@@ -7111,7 +7157,7 @@
             <a:r>
               <a:rPr lang="es-ES" altLang="en-US">
                 <a:solidFill>
-                  <a:schemeClr val="bg1"/>
+                  <a:srgbClr val="FFFF00"/>
                 </a:solidFill>
                 <a:sym typeface="+mn-ea"/>
               </a:rPr>
@@ -7212,7 +7258,7 @@
             <a:r>
               <a:rPr lang="es-ES" altLang="en-US">
                 <a:solidFill>
-                  <a:schemeClr val="bg1"/>
+                  <a:srgbClr val="FFFF00"/>
                 </a:solidFill>
                 <a:sym typeface="+mn-ea"/>
               </a:rPr>
@@ -7374,7 +7420,11 @@
         <p:txBody>
           <a:bodyPr/>
           <a:p>
-            <a:endParaRPr lang="en-US"/>
+            <a:r>
+              <a:rPr lang="es-ES" altLang="en-US"/>
+              <a:t>Angular CLI</a:t>
+            </a:r>
+            <a:endParaRPr lang="es-ES" altLang="en-US"/>
           </a:p>
         </p:txBody>
       </p:sp>
@@ -7392,10 +7442,67 @@
         <p:txBody>
           <a:bodyPr/>
           <a:p>
-            <a:endParaRPr lang="en-US"/>
-          </a:p>
-        </p:txBody>
-      </p:sp>
+            <a:r>
+              <a:rPr lang="es-ES" altLang="en-US"/>
+              <a:t>What Is</a:t>
+            </a:r>
+            <a:endParaRPr lang="es-ES" altLang="en-US"/>
+          </a:p>
+        </p:txBody>
+      </p:sp>
+      <p:sp>
+        <p:nvSpPr>
+          <p:cNvPr id="4" name="Cuadro de texto 3"/>
+          <p:cNvSpPr txBox="1"/>
+          <p:nvPr/>
+        </p:nvSpPr>
+        <p:spPr>
+          <a:xfrm>
+            <a:off x="583565" y="3068955"/>
+            <a:ext cx="6114415" cy="1198880"/>
+          </a:xfrm>
+          <a:prstGeom prst="rect">
+            <a:avLst/>
+          </a:prstGeom>
+          <a:noFill/>
+        </p:spPr>
+        <p:txBody>
+          <a:bodyPr wrap="square" rtlCol="0" anchor="t">
+            <a:spAutoFit/>
+          </a:bodyPr>
+          <a:p>
+            <a:r>
+              <a:rPr lang="es-ES" altLang="en-US"/>
+              <a:t>The Angular CLI creates, manages, builds and test your Angular projects. It's built on top of the Angular DevKit.</a:t>
+            </a:r>
+            <a:endParaRPr lang="es-ES" altLang="en-US"/>
+          </a:p>
+        </p:txBody>
+      </p:sp>
+      <p:pic>
+        <p:nvPicPr>
+          <p:cNvPr id="5" name="Imagen 4" descr="angular_cli"/>
+          <p:cNvPicPr>
+            <a:picLocks noChangeAspect="1"/>
+          </p:cNvPicPr>
+          <p:nvPr/>
+        </p:nvPicPr>
+        <p:blipFill>
+          <a:blip r:embed="rId1"/>
+          <a:stretch>
+            <a:fillRect/>
+          </a:stretch>
+        </p:blipFill>
+        <p:spPr>
+          <a:xfrm>
+            <a:off x="7078980" y="2091055"/>
+            <a:ext cx="4212590" cy="3412490"/>
+          </a:xfrm>
+          <a:prstGeom prst="rect">
+            <a:avLst/>
+          </a:prstGeom>
+        </p:spPr>
+      </p:pic>
     </p:spTree>
   </p:cSld>
   <p:clrMapOvr>
@@ -7413,14 +7520,7 @@
         <p:cNvGrpSpPr/>
         <p:nvPr/>
       </p:nvGrpSpPr>
-      <p:grpSpPr>
-        <a:xfrm>
-          <a:off x="0" y="0"/>
-          <a:ext cx="0" cy="0"/>
-          <a:chOff x="0" y="0"/>
-          <a:chExt cx="0" cy="0"/>
-        </a:xfrm>
-      </p:grpSpPr>
+      <p:grpSpPr/>
       <p:sp>
         <p:nvSpPr>
           <p:cNvPr id="2" name="Título 1"/>
@@ -7433,19 +7533,148 @@
         </p:nvSpPr>
         <p:spPr/>
         <p:txBody>
-          <a:bodyPr>
-            <a:normAutofit fontScale="90000"/>
+          <a:bodyPr/>
+          <a:p>
+            <a:r>
+              <a:rPr lang="es-ES" altLang="en-US">
+                <a:sym typeface="+mn-ea"/>
+              </a:rPr>
+              <a:t>Angular CLI</a:t>
+            </a:r>
+            <a:endParaRPr lang="es-ES" altLang="en-US"/>
+          </a:p>
+        </p:txBody>
+      </p:sp>
+      <p:sp>
+        <p:nvSpPr>
+          <p:cNvPr id="3" name="Marcador de posición de texto 2"/>
+          <p:cNvSpPr>
+            <a:spLocks noGrp="1"/>
+          </p:cNvSpPr>
+          <p:nvPr>
+            <p:ph type="body" sz="quarter" idx="13"/>
+          </p:nvPr>
+        </p:nvSpPr>
+        <p:spPr/>
+        <p:txBody>
+          <a:bodyPr/>
+          <a:p>
+            <a:r>
+              <a:rPr lang="es-ES" altLang="en-US"/>
+              <a:t>angular.json</a:t>
+            </a:r>
+            <a:endParaRPr lang="es-ES" altLang="en-US"/>
+          </a:p>
+        </p:txBody>
+      </p:sp>
+      <p:pic>
+        <p:nvPicPr>
+          <p:cNvPr id="7" name="Imagen 6"/>
+          <p:cNvPicPr>
+            <a:picLocks noChangeAspect="1"/>
+          </p:cNvPicPr>
+          <p:nvPr/>
+        </p:nvPicPr>
+        <p:blipFill>
+          <a:blip r:embed="rId1"/>
+          <a:stretch>
+            <a:fillRect/>
+          </a:stretch>
+        </p:blipFill>
+        <p:spPr>
+          <a:xfrm>
+            <a:off x="4464050" y="829310"/>
+            <a:ext cx="4534535" cy="3619500"/>
+          </a:xfrm>
+          <a:prstGeom prst="rect">
+            <a:avLst/>
+          </a:prstGeom>
+        </p:spPr>
+      </p:pic>
+      <p:pic>
+        <p:nvPicPr>
+          <p:cNvPr id="8" name="Imagen 7"/>
+          <p:cNvPicPr>
+            <a:picLocks noChangeAspect="1"/>
+          </p:cNvPicPr>
+          <p:nvPr/>
+        </p:nvPicPr>
+        <p:blipFill>
+          <a:blip r:embed="rId2"/>
+          <a:stretch>
+            <a:fillRect/>
+          </a:stretch>
+        </p:blipFill>
+        <p:spPr>
+          <a:xfrm>
+            <a:off x="6807835" y="3548380"/>
+            <a:ext cx="4938395" cy="2743200"/>
+          </a:xfrm>
+          <a:prstGeom prst="rect">
+            <a:avLst/>
+          </a:prstGeom>
+        </p:spPr>
+      </p:pic>
+      <p:sp>
+        <p:nvSpPr>
+          <p:cNvPr id="9" name="Cuadro de texto 8"/>
+          <p:cNvSpPr txBox="1"/>
+          <p:nvPr/>
+        </p:nvSpPr>
+        <p:spPr>
+          <a:xfrm>
+            <a:off x="299085" y="2020570"/>
+            <a:ext cx="4296410" cy="1938020"/>
+          </a:xfrm>
+          <a:prstGeom prst="rect">
+            <a:avLst/>
+          </a:prstGeom>
+          <a:noFill/>
+        </p:spPr>
+        <p:txBody>
+          <a:bodyPr wrap="square" rtlCol="0" anchor="t">
+            <a:spAutoFit/>
           </a:bodyPr>
-          <a:lstStyle/>
           <a:p>
             <a:r>
-              <a:rPr lang="es-ES" dirty="0" err="1"/>
-              <a:t>XXXXXXXX</a:t>
+              <a:rPr lang="es-ES" altLang="en-US"/>
+              <a:t>This file is used as the configuration schema for the whole project and manipulated by the CLI. </a:t>
             </a:r>
-            <a:br>
-              <a:rPr lang="es-ES" dirty="0" err="1"/>
-            </a:br>
-            <a:endParaRPr lang="es-ES" dirty="0"/>
+            <a:endParaRPr lang="es-ES" altLang="en-US"/>
+          </a:p>
+          <a:p>
+            <a:endParaRPr lang="es-ES" altLang="en-US"/>
+          </a:p>
+        </p:txBody>
+      </p:sp>
+      <p:sp>
+        <p:nvSpPr>
+          <p:cNvPr id="10" name="Cuadro de texto 9"/>
+          <p:cNvSpPr txBox="1"/>
+          <p:nvPr/>
+        </p:nvSpPr>
+        <p:spPr>
+          <a:xfrm>
+            <a:off x="299085" y="4721225"/>
+            <a:ext cx="6508115" cy="1568450"/>
+          </a:xfrm>
+          <a:prstGeom prst="rect">
+            <a:avLst/>
+          </a:prstGeom>
+          <a:noFill/>
+        </p:spPr>
+        <p:txBody>
+          <a:bodyPr wrap="square" rtlCol="0" anchor="t">
+            <a:spAutoFit/>
+          </a:bodyPr>
+          <a:p>
+            <a:r>
+              <a:rPr lang="es-ES" altLang="en-US">
+                <a:sym typeface="+mn-ea"/>
+              </a:rPr>
+              <a:t>Including managing of different environments, testing, proxy, third-party resources and plenty of built-in tools and capabilities for developing our application.</a:t>
+            </a:r>
+            <a:endParaRPr lang="es-ES" altLang="en-US"/>
           </a:p>
         </p:txBody>
       </p:sp>
@@ -7458,6 +7687,152 @@
 </file>
 
 <file path=ppt/slides/slide7.xml><?xml version="1.0" encoding="utf-8"?>
+<p:sld xmlns:a="http://schemas.openxmlformats.org/drawingml/2006/main" xmlns:r="http://schemas.openxmlformats.org/officeDocument/2006/relationships" xmlns:p="http://schemas.openxmlformats.org/presentationml/2006/main">
+  <p:cSld>
+    <p:spTree>
+      <p:nvGrpSpPr>
+        <p:cNvPr id="1" name=""/>
+        <p:cNvGrpSpPr/>
+        <p:nvPr/>
+      </p:nvGrpSpPr>
+      <p:grpSpPr/>
+      <p:sp>
+        <p:nvSpPr>
+          <p:cNvPr id="2" name="Título 1"/>
+          <p:cNvSpPr>
+            <a:spLocks noGrp="1"/>
+          </p:cNvSpPr>
+          <p:nvPr>
+            <p:ph type="title"/>
+          </p:nvPr>
+        </p:nvSpPr>
+        <p:spPr/>
+        <p:txBody>
+          <a:bodyPr/>
+          <a:p>
+            <a:r>
+              <a:rPr lang="es-ES" altLang="en-US">
+                <a:sym typeface="+mn-ea"/>
+              </a:rPr>
+              <a:t>Angular CLI</a:t>
+            </a:r>
+            <a:br>
+              <a:rPr lang="es-ES" altLang="en-US"/>
+            </a:br>
+            <a:endParaRPr lang="es-ES" altLang="en-US"/>
+          </a:p>
+        </p:txBody>
+      </p:sp>
+      <p:sp>
+        <p:nvSpPr>
+          <p:cNvPr id="3" name="Marcador de posición de texto 2"/>
+          <p:cNvSpPr>
+            <a:spLocks noGrp="1"/>
+          </p:cNvSpPr>
+          <p:nvPr>
+            <p:ph type="body" sz="quarter" idx="13"/>
+          </p:nvPr>
+        </p:nvSpPr>
+        <p:spPr/>
+        <p:txBody>
+          <a:bodyPr/>
+          <a:p>
+            <a:r>
+              <a:rPr lang="es-ES" altLang="en-US">
+                <a:sym typeface="+mn-ea"/>
+              </a:rPr>
+              <a:t>angular.json</a:t>
+            </a:r>
+            <a:endParaRPr lang="es-ES" altLang="en-US"/>
+          </a:p>
+        </p:txBody>
+      </p:sp>
+      <p:pic>
+        <p:nvPicPr>
+          <p:cNvPr id="4" name="Imagen 3" descr="angular-cli-workspace-example"/>
+          <p:cNvPicPr>
+            <a:picLocks noChangeAspect="1"/>
+          </p:cNvPicPr>
+          <p:nvPr/>
+        </p:nvPicPr>
+        <p:blipFill>
+          <a:blip r:embed="rId1"/>
+          <a:stretch>
+            <a:fillRect/>
+          </a:stretch>
+        </p:blipFill>
+        <p:spPr>
+          <a:xfrm>
+            <a:off x="4450080" y="3373755"/>
+            <a:ext cx="3291840" cy="701040"/>
+          </a:xfrm>
+          <a:prstGeom prst="rect">
+            <a:avLst/>
+          </a:prstGeom>
+        </p:spPr>
+      </p:pic>
+    </p:spTree>
+  </p:cSld>
+  <p:clrMapOvr>
+    <a:masterClrMapping/>
+  </p:clrMapOvr>
+</p:sld>
+</file>
+
+<file path=ppt/slides/slide8.xml><?xml version="1.0" encoding="utf-8"?>
+<p:sld xmlns:a="http://schemas.openxmlformats.org/drawingml/2006/main" xmlns:r="http://schemas.openxmlformats.org/officeDocument/2006/relationships" xmlns:p="http://schemas.openxmlformats.org/presentationml/2006/main">
+  <p:cSld>
+    <p:spTree>
+      <p:nvGrpSpPr>
+        <p:cNvPr id="1" name=""/>
+        <p:cNvGrpSpPr/>
+        <p:nvPr/>
+      </p:nvGrpSpPr>
+      <p:grpSpPr>
+        <a:xfrm>
+          <a:off x="0" y="0"/>
+          <a:ext cx="0" cy="0"/>
+          <a:chOff x="0" y="0"/>
+          <a:chExt cx="0" cy="0"/>
+        </a:xfrm>
+      </p:grpSpPr>
+      <p:sp>
+        <p:nvSpPr>
+          <p:cNvPr id="2" name="Título 1"/>
+          <p:cNvSpPr>
+            <a:spLocks noGrp="1"/>
+          </p:cNvSpPr>
+          <p:nvPr>
+            <p:ph type="title"/>
+          </p:nvPr>
+        </p:nvSpPr>
+        <p:spPr/>
+        <p:txBody>
+          <a:bodyPr>
+            <a:normAutofit fontScale="90000"/>
+          </a:bodyPr>
+          <a:lstStyle/>
+          <a:p>
+            <a:r>
+              <a:rPr lang="es-ES" dirty="0" err="1"/>
+              <a:t>XXXXXXXX</a:t>
+            </a:r>
+            <a:br>
+              <a:rPr lang="es-ES" dirty="0" err="1"/>
+            </a:br>
+            <a:endParaRPr lang="es-ES" dirty="0"/>
+          </a:p>
+        </p:txBody>
+      </p:sp>
+    </p:spTree>
+  </p:cSld>
+  <p:clrMapOvr>
+    <a:masterClrMapping/>
+  </p:clrMapOvr>
+</p:sld>
+</file>
+
+<file path=ppt/slides/slide9.xml><?xml version="1.0" encoding="utf-8"?>
 <p:sld xmlns:a="http://schemas.openxmlformats.org/drawingml/2006/main" xmlns:r="http://schemas.openxmlformats.org/officeDocument/2006/relationships" xmlns:p="http://schemas.openxmlformats.org/presentationml/2006/main">
   <p:cSld>
     <p:spTree>

--- a/02_angular_cli/02_angular_cli.pptx
+++ b/02_angular_cli/02_angular_cli.pptx
@@ -7,7 +7,7 @@
     <p:sldMasterId id="2147483670" r:id="rId4"/>
   </p:sldMasterIdLst>
   <p:notesMasterIdLst>
-    <p:notesMasterId r:id="rId11"/>
+    <p:notesMasterId r:id="rId16"/>
   </p:notesMasterIdLst>
   <p:sldIdLst>
     <p:sldId id="314" r:id="rId5"/>
@@ -15,10 +15,22 @@
     <p:sldId id="515" r:id="rId7"/>
     <p:sldId id="484" r:id="rId8"/>
     <p:sldId id="496" r:id="rId9"/>
-    <p:sldId id="520" r:id="rId10"/>
-    <p:sldId id="521" r:id="rId12"/>
-    <p:sldId id="472" r:id="rId13"/>
-    <p:sldId id="464" r:id="rId14"/>
+    <p:sldId id="527" r:id="rId10"/>
+    <p:sldId id="533" r:id="rId11"/>
+    <p:sldId id="534" r:id="rId12"/>
+    <p:sldId id="535" r:id="rId13"/>
+    <p:sldId id="536" r:id="rId14"/>
+    <p:sldId id="520" r:id="rId15"/>
+    <p:sldId id="521" r:id="rId17"/>
+    <p:sldId id="524" r:id="rId18"/>
+    <p:sldId id="525" r:id="rId19"/>
+    <p:sldId id="528" r:id="rId20"/>
+    <p:sldId id="526" r:id="rId21"/>
+    <p:sldId id="529" r:id="rId22"/>
+    <p:sldId id="530" r:id="rId23"/>
+    <p:sldId id="532" r:id="rId24"/>
+    <p:sldId id="472" r:id="rId25"/>
+    <p:sldId id="464" r:id="rId26"/>
   </p:sldIdLst>
   <p:sldSz cx="12192000" cy="6858000"/>
   <p:notesSz cx="6858000" cy="9144000"/>
@@ -6881,6 +6893,1153 @@
 </p:sld>
 </file>
 
+<file path=ppt/slides/slide10.xml><?xml version="1.0" encoding="utf-8"?>
+<p:sld xmlns:a="http://schemas.openxmlformats.org/drawingml/2006/main" xmlns:r="http://schemas.openxmlformats.org/officeDocument/2006/relationships" xmlns:p="http://schemas.openxmlformats.org/presentationml/2006/main">
+  <p:cSld>
+    <p:spTree>
+      <p:nvGrpSpPr>
+        <p:cNvPr id="1" name=""/>
+        <p:cNvGrpSpPr/>
+        <p:nvPr/>
+      </p:nvGrpSpPr>
+      <p:grpSpPr/>
+      <p:sp>
+        <p:nvSpPr>
+          <p:cNvPr id="2" name="Título 1"/>
+          <p:cNvSpPr>
+            <a:spLocks noGrp="1"/>
+          </p:cNvSpPr>
+          <p:nvPr>
+            <p:ph type="title"/>
+          </p:nvPr>
+        </p:nvSpPr>
+        <p:spPr/>
+        <p:txBody>
+          <a:bodyPr/>
+          <a:p>
+            <a:endParaRPr lang="es-ES" altLang="en-US"/>
+          </a:p>
+        </p:txBody>
+      </p:sp>
+      <p:sp>
+        <p:nvSpPr>
+          <p:cNvPr id="3" name="Marcador de posición de texto 2"/>
+          <p:cNvSpPr>
+            <a:spLocks noGrp="1"/>
+          </p:cNvSpPr>
+          <p:nvPr>
+            <p:ph type="body" sz="quarter" idx="13"/>
+          </p:nvPr>
+        </p:nvSpPr>
+        <p:spPr/>
+        <p:txBody>
+          <a:bodyPr/>
+          <a:p>
+            <a:endParaRPr lang="es-ES" altLang="en-US"/>
+          </a:p>
+        </p:txBody>
+      </p:sp>
+      <p:sp>
+        <p:nvSpPr>
+          <p:cNvPr id="4" name="Cuadro de texto 3"/>
+          <p:cNvSpPr txBox="1"/>
+          <p:nvPr/>
+        </p:nvSpPr>
+        <p:spPr>
+          <a:xfrm>
+            <a:off x="2276475" y="2494280"/>
+            <a:ext cx="6844030" cy="460375"/>
+          </a:xfrm>
+          <a:prstGeom prst="rect">
+            <a:avLst/>
+          </a:prstGeom>
+          <a:noFill/>
+        </p:spPr>
+        <p:txBody>
+          <a:bodyPr wrap="square" rtlCol="0">
+            <a:spAutoFit/>
+          </a:bodyPr>
+          <a:p>
+            <a:r>
+              <a:rPr lang="es-ES" altLang="en-US"/>
+              <a:t>Ejercio comandos</a:t>
+            </a:r>
+            <a:endParaRPr lang="es-ES" altLang="en-US"/>
+          </a:p>
+        </p:txBody>
+      </p:sp>
+    </p:spTree>
+  </p:cSld>
+  <p:clrMapOvr>
+    <a:masterClrMapping/>
+  </p:clrMapOvr>
+</p:sld>
+</file>
+
+<file path=ppt/slides/slide11.xml><?xml version="1.0" encoding="utf-8"?>
+<p:sld xmlns:a="http://schemas.openxmlformats.org/drawingml/2006/main" xmlns:r="http://schemas.openxmlformats.org/officeDocument/2006/relationships" xmlns:p="http://schemas.openxmlformats.org/presentationml/2006/main">
+  <p:cSld>
+    <p:spTree>
+      <p:nvGrpSpPr>
+        <p:cNvPr id="1" name=""/>
+        <p:cNvGrpSpPr/>
+        <p:nvPr/>
+      </p:nvGrpSpPr>
+      <p:grpSpPr/>
+      <p:sp>
+        <p:nvSpPr>
+          <p:cNvPr id="2" name="Título 1"/>
+          <p:cNvSpPr>
+            <a:spLocks noGrp="1"/>
+          </p:cNvSpPr>
+          <p:nvPr>
+            <p:ph type="title"/>
+          </p:nvPr>
+        </p:nvSpPr>
+        <p:spPr/>
+        <p:txBody>
+          <a:bodyPr/>
+          <a:p>
+            <a:r>
+              <a:rPr lang="es-ES" altLang="en-US">
+                <a:sym typeface="+mn-ea"/>
+              </a:rPr>
+              <a:t>angular.json</a:t>
+            </a:r>
+            <a:endParaRPr lang="es-ES" altLang="en-US"/>
+          </a:p>
+        </p:txBody>
+      </p:sp>
+      <p:sp>
+        <p:nvSpPr>
+          <p:cNvPr id="3" name="Marcador de posición de texto 2"/>
+          <p:cNvSpPr>
+            <a:spLocks noGrp="1"/>
+          </p:cNvSpPr>
+          <p:nvPr>
+            <p:ph type="body" sz="quarter" idx="13"/>
+          </p:nvPr>
+        </p:nvSpPr>
+        <p:spPr/>
+        <p:txBody>
+          <a:bodyPr/>
+          <a:p>
+            <a:r>
+              <a:rPr lang="es-ES" altLang="en-US"/>
+              <a:t>What is</a:t>
+            </a:r>
+            <a:endParaRPr lang="es-ES" altLang="en-US"/>
+          </a:p>
+        </p:txBody>
+      </p:sp>
+      <p:pic>
+        <p:nvPicPr>
+          <p:cNvPr id="7" name="Imagen 6"/>
+          <p:cNvPicPr>
+            <a:picLocks noChangeAspect="1"/>
+          </p:cNvPicPr>
+          <p:nvPr/>
+        </p:nvPicPr>
+        <p:blipFill>
+          <a:blip r:embed="rId1"/>
+          <a:stretch>
+            <a:fillRect/>
+          </a:stretch>
+        </p:blipFill>
+        <p:spPr>
+          <a:xfrm>
+            <a:off x="432435" y="2510155"/>
+            <a:ext cx="4899660" cy="3910965"/>
+          </a:xfrm>
+          <a:prstGeom prst="rect">
+            <a:avLst/>
+          </a:prstGeom>
+        </p:spPr>
+      </p:pic>
+      <p:pic>
+        <p:nvPicPr>
+          <p:cNvPr id="8" name="Imagen 7"/>
+          <p:cNvPicPr>
+            <a:picLocks noChangeAspect="1"/>
+          </p:cNvPicPr>
+          <p:nvPr/>
+        </p:nvPicPr>
+        <p:blipFill>
+          <a:blip r:embed="rId2"/>
+          <a:stretch>
+            <a:fillRect/>
+          </a:stretch>
+        </p:blipFill>
+        <p:spPr>
+          <a:xfrm>
+            <a:off x="6322695" y="3451225"/>
+            <a:ext cx="5346065" cy="2969895"/>
+          </a:xfrm>
+          <a:prstGeom prst="rect">
+            <a:avLst/>
+          </a:prstGeom>
+        </p:spPr>
+      </p:pic>
+      <p:sp>
+        <p:nvSpPr>
+          <p:cNvPr id="9" name="Cuadro de texto 8"/>
+          <p:cNvSpPr txBox="1"/>
+          <p:nvPr/>
+        </p:nvSpPr>
+        <p:spPr>
+          <a:xfrm>
+            <a:off x="299085" y="1424940"/>
+            <a:ext cx="6139815" cy="1198880"/>
+          </a:xfrm>
+          <a:prstGeom prst="rect">
+            <a:avLst/>
+          </a:prstGeom>
+          <a:noFill/>
+        </p:spPr>
+        <p:txBody>
+          <a:bodyPr wrap="square" rtlCol="0" anchor="t">
+            <a:spAutoFit/>
+          </a:bodyPr>
+          <a:p>
+            <a:r>
+              <a:rPr lang="es-ES" altLang="en-US"/>
+              <a:t>This file is used as the configuration schema for the whole project and manipulated by the CLI. </a:t>
+            </a:r>
+            <a:endParaRPr lang="es-ES" altLang="en-US"/>
+          </a:p>
+          <a:p>
+            <a:endParaRPr lang="es-ES" altLang="en-US"/>
+          </a:p>
+        </p:txBody>
+      </p:sp>
+      <p:sp>
+        <p:nvSpPr>
+          <p:cNvPr id="10" name="Cuadro de texto 9"/>
+          <p:cNvSpPr txBox="1"/>
+          <p:nvPr/>
+        </p:nvSpPr>
+        <p:spPr>
+          <a:xfrm>
+            <a:off x="6477000" y="1441450"/>
+            <a:ext cx="5095240" cy="1938020"/>
+          </a:xfrm>
+          <a:prstGeom prst="rect">
+            <a:avLst/>
+          </a:prstGeom>
+          <a:noFill/>
+        </p:spPr>
+        <p:txBody>
+          <a:bodyPr wrap="square" rtlCol="0" anchor="t">
+            <a:spAutoFit/>
+          </a:bodyPr>
+          <a:p>
+            <a:pPr algn="r"/>
+            <a:r>
+              <a:rPr lang="es-ES" altLang="en-US">
+                <a:sym typeface="+mn-ea"/>
+              </a:rPr>
+              <a:t>Including managing of different environments, testing, proxy, third-party resources and plenty of built-in tools and capabilities for developing our application.</a:t>
+            </a:r>
+            <a:endParaRPr lang="es-ES" altLang="en-US"/>
+          </a:p>
+        </p:txBody>
+      </p:sp>
+    </p:spTree>
+  </p:cSld>
+  <p:clrMapOvr>
+    <a:masterClrMapping/>
+  </p:clrMapOvr>
+</p:sld>
+</file>
+
+<file path=ppt/slides/slide12.xml><?xml version="1.0" encoding="utf-8"?>
+<p:sld xmlns:a="http://schemas.openxmlformats.org/drawingml/2006/main" xmlns:r="http://schemas.openxmlformats.org/officeDocument/2006/relationships" xmlns:p="http://schemas.openxmlformats.org/presentationml/2006/main">
+  <p:cSld>
+    <p:spTree>
+      <p:nvGrpSpPr>
+        <p:cNvPr id="1" name=""/>
+        <p:cNvGrpSpPr/>
+        <p:nvPr/>
+      </p:nvGrpSpPr>
+      <p:grpSpPr/>
+      <p:sp>
+        <p:nvSpPr>
+          <p:cNvPr id="2" name="Título 1"/>
+          <p:cNvSpPr>
+            <a:spLocks noGrp="1"/>
+          </p:cNvSpPr>
+          <p:nvPr>
+            <p:ph type="title"/>
+          </p:nvPr>
+        </p:nvSpPr>
+        <p:spPr/>
+        <p:txBody>
+          <a:bodyPr/>
+          <a:p>
+            <a:r>
+              <a:rPr lang="es-ES" altLang="en-US">
+                <a:sym typeface="+mn-ea"/>
+              </a:rPr>
+              <a:t>angular.json</a:t>
+            </a:r>
+            <a:br>
+              <a:rPr lang="es-ES" altLang="en-US"/>
+            </a:br>
+            <a:br>
+              <a:rPr lang="es-ES" altLang="en-US"/>
+            </a:br>
+            <a:endParaRPr lang="es-ES" altLang="en-US"/>
+          </a:p>
+        </p:txBody>
+      </p:sp>
+      <p:sp>
+        <p:nvSpPr>
+          <p:cNvPr id="3" name="Marcador de posición de texto 2"/>
+          <p:cNvSpPr>
+            <a:spLocks noGrp="1"/>
+          </p:cNvSpPr>
+          <p:nvPr>
+            <p:ph type="body" sz="quarter" idx="13"/>
+          </p:nvPr>
+        </p:nvSpPr>
+        <p:spPr>
+          <a:xfrm>
+            <a:off x="299400" y="744522"/>
+            <a:ext cx="6228401" cy="513014"/>
+          </a:xfrm>
+        </p:spPr>
+        <p:txBody>
+          <a:bodyPr/>
+          <a:p>
+            <a:r>
+              <a:rPr lang="es-ES" altLang="en-US">
+                <a:sym typeface="+mn-ea"/>
+              </a:rPr>
+              <a:t>migration</a:t>
+            </a:r>
+            <a:endParaRPr lang="es-ES" altLang="en-US"/>
+          </a:p>
+        </p:txBody>
+      </p:sp>
+      <p:pic>
+        <p:nvPicPr>
+          <p:cNvPr id="4" name="Imagen 3" descr="angular-cli-workspace-example"/>
+          <p:cNvPicPr>
+            <a:picLocks noChangeAspect="1"/>
+          </p:cNvPicPr>
+          <p:nvPr/>
+        </p:nvPicPr>
+        <p:blipFill>
+          <a:blip r:embed="rId1"/>
+          <a:stretch>
+            <a:fillRect/>
+          </a:stretch>
+        </p:blipFill>
+        <p:spPr>
+          <a:xfrm>
+            <a:off x="3780155" y="3180715"/>
+            <a:ext cx="5253355" cy="1118870"/>
+          </a:xfrm>
+          <a:prstGeom prst="rect">
+            <a:avLst/>
+          </a:prstGeom>
+        </p:spPr>
+      </p:pic>
+      <p:sp>
+        <p:nvSpPr>
+          <p:cNvPr id="5" name="Cuadro de texto 4"/>
+          <p:cNvSpPr txBox="1"/>
+          <p:nvPr/>
+        </p:nvSpPr>
+        <p:spPr>
+          <a:xfrm>
+            <a:off x="299400" y="1717040"/>
+            <a:ext cx="2964815" cy="829945"/>
+          </a:xfrm>
+          <a:prstGeom prst="rect">
+            <a:avLst/>
+          </a:prstGeom>
+          <a:noFill/>
+        </p:spPr>
+        <p:txBody>
+          <a:bodyPr wrap="square" rtlCol="0">
+            <a:spAutoFit/>
+          </a:bodyPr>
+          <a:p>
+            <a:r>
+              <a:rPr lang="es-ES" altLang="en-US"/>
+              <a:t>Migracion</a:t>
+            </a:r>
+            <a:endParaRPr lang="es-ES" altLang="en-US"/>
+          </a:p>
+          <a:p>
+            <a:endParaRPr lang="es-ES" altLang="en-US"/>
+          </a:p>
+        </p:txBody>
+      </p:sp>
+    </p:spTree>
+  </p:cSld>
+  <p:clrMapOvr>
+    <a:masterClrMapping/>
+  </p:clrMapOvr>
+</p:sld>
+</file>
+
+<file path=ppt/slides/slide13.xml><?xml version="1.0" encoding="utf-8"?>
+<p:sld xmlns:a="http://schemas.openxmlformats.org/drawingml/2006/main" xmlns:r="http://schemas.openxmlformats.org/officeDocument/2006/relationships" xmlns:p="http://schemas.openxmlformats.org/presentationml/2006/main">
+  <p:cSld>
+    <p:spTree>
+      <p:nvGrpSpPr>
+        <p:cNvPr id="1" name=""/>
+        <p:cNvGrpSpPr/>
+        <p:nvPr/>
+      </p:nvGrpSpPr>
+      <p:grpSpPr/>
+      <p:sp>
+        <p:nvSpPr>
+          <p:cNvPr id="2" name="Título 1"/>
+          <p:cNvSpPr>
+            <a:spLocks noGrp="1"/>
+          </p:cNvSpPr>
+          <p:nvPr>
+            <p:ph type="title"/>
+          </p:nvPr>
+        </p:nvSpPr>
+        <p:spPr/>
+        <p:txBody>
+          <a:bodyPr/>
+          <a:p>
+            <a:r>
+              <a:rPr lang="es-ES" altLang="en-US">
+                <a:sym typeface="+mn-ea"/>
+              </a:rPr>
+              <a:t>angular.json</a:t>
+            </a:r>
+            <a:endParaRPr lang="es-ES" altLang="en-US"/>
+          </a:p>
+        </p:txBody>
+      </p:sp>
+      <p:sp>
+        <p:nvSpPr>
+          <p:cNvPr id="3" name="Marcador de posición de texto 2"/>
+          <p:cNvSpPr>
+            <a:spLocks noGrp="1"/>
+          </p:cNvSpPr>
+          <p:nvPr>
+            <p:ph type="body" sz="quarter" idx="13"/>
+          </p:nvPr>
+        </p:nvSpPr>
+        <p:spPr/>
+        <p:txBody>
+          <a:bodyPr/>
+          <a:p>
+            <a:r>
+              <a:rPr lang="es-ES" altLang="en-US">
+                <a:sym typeface="+mn-ea"/>
+              </a:rPr>
+              <a:t>Configurations</a:t>
+            </a:r>
+            <a:endParaRPr lang="es-ES" altLang="en-US"/>
+          </a:p>
+        </p:txBody>
+      </p:sp>
+      <p:sp>
+        <p:nvSpPr>
+          <p:cNvPr id="7" name="Cuadro de texto 6"/>
+          <p:cNvSpPr txBox="1"/>
+          <p:nvPr/>
+        </p:nvSpPr>
+        <p:spPr>
+          <a:xfrm>
+            <a:off x="4157345" y="3034030"/>
+            <a:ext cx="2566670" cy="3415030"/>
+          </a:xfrm>
+          <a:prstGeom prst="rect">
+            <a:avLst/>
+          </a:prstGeom>
+          <a:noFill/>
+        </p:spPr>
+        <p:txBody>
+          <a:bodyPr wrap="square" rtlCol="0">
+            <a:spAutoFit/>
+          </a:bodyPr>
+          <a:p>
+            <a:pPr marL="342900" indent="-342900">
+              <a:buFont typeface="Arial" panose="020B0604020202020204" pitchFamily="34" charset="0"/>
+              <a:buChar char="•"/>
+            </a:pPr>
+            <a:r>
+              <a:rPr lang="es-ES" altLang="en-US"/>
+              <a:t>build</a:t>
+            </a:r>
+            <a:endParaRPr lang="es-ES" altLang="en-US"/>
+          </a:p>
+          <a:p>
+            <a:pPr marL="342900" indent="-342900">
+              <a:buFont typeface="Arial" panose="020B0604020202020204" pitchFamily="34" charset="0"/>
+              <a:buChar char="•"/>
+            </a:pPr>
+            <a:r>
+              <a:rPr lang="es-ES" altLang="en-US"/>
+              <a:t>serve</a:t>
+            </a:r>
+            <a:endParaRPr lang="es-ES" altLang="en-US"/>
+          </a:p>
+          <a:p>
+            <a:pPr marL="342900" indent="-342900">
+              <a:buFont typeface="Arial" panose="020B0604020202020204" pitchFamily="34" charset="0"/>
+              <a:buChar char="•"/>
+            </a:pPr>
+            <a:r>
+              <a:rPr lang="es-ES" altLang="en-US"/>
+              <a:t>extract-i18n</a:t>
+            </a:r>
+            <a:endParaRPr lang="es-ES" altLang="en-US"/>
+          </a:p>
+          <a:p>
+            <a:pPr marL="342900" indent="-342900">
+              <a:buFont typeface="Arial" panose="020B0604020202020204" pitchFamily="34" charset="0"/>
+              <a:buChar char="•"/>
+            </a:pPr>
+            <a:r>
+              <a:rPr lang="es-ES" altLang="en-US"/>
+              <a:t>test</a:t>
+            </a:r>
+            <a:endParaRPr lang="es-ES" altLang="en-US"/>
+          </a:p>
+          <a:p>
+            <a:pPr marL="342900" indent="-342900">
+              <a:buFont typeface="Arial" panose="020B0604020202020204" pitchFamily="34" charset="0"/>
+              <a:buChar char="•"/>
+            </a:pPr>
+            <a:r>
+              <a:rPr lang="es-ES" altLang="en-US"/>
+              <a:t>lint</a:t>
+            </a:r>
+            <a:endParaRPr lang="es-ES" altLang="en-US"/>
+          </a:p>
+          <a:p>
+            <a:pPr marL="342900" indent="-342900">
+              <a:buFont typeface="Arial" panose="020B0604020202020204" pitchFamily="34" charset="0"/>
+              <a:buChar char="•"/>
+            </a:pPr>
+            <a:r>
+              <a:rPr lang="es-ES" altLang="en-US"/>
+              <a:t>karma</a:t>
+            </a:r>
+            <a:endParaRPr lang="es-ES" altLang="en-US"/>
+          </a:p>
+          <a:p>
+            <a:pPr marL="342900" indent="-342900">
+              <a:buFont typeface="Arial" panose="020B0604020202020204" pitchFamily="34" charset="0"/>
+              <a:buChar char="•"/>
+            </a:pPr>
+            <a:r>
+              <a:rPr lang="es-ES" altLang="en-US"/>
+              <a:t>app-shell</a:t>
+            </a:r>
+            <a:endParaRPr lang="es-ES" altLang="en-US"/>
+          </a:p>
+          <a:p>
+            <a:pPr marL="342900" indent="-342900">
+              <a:buFont typeface="Arial" panose="020B0604020202020204" pitchFamily="34" charset="0"/>
+              <a:buChar char="•"/>
+            </a:pPr>
+            <a:r>
+              <a:rPr lang="es-ES" altLang="en-US"/>
+              <a:t>...</a:t>
+            </a:r>
+            <a:endParaRPr lang="es-ES" altLang="en-US"/>
+          </a:p>
+          <a:p>
+            <a:pPr marL="342900" indent="-342900">
+              <a:buFont typeface="Arial" panose="020B0604020202020204" pitchFamily="34" charset="0"/>
+              <a:buChar char="•"/>
+            </a:pPr>
+            <a:endParaRPr lang="es-ES" altLang="en-US"/>
+          </a:p>
+        </p:txBody>
+      </p:sp>
+      <p:pic>
+        <p:nvPicPr>
+          <p:cNvPr id="9" name="Imagen 8"/>
+          <p:cNvPicPr>
+            <a:picLocks noChangeAspect="1"/>
+          </p:cNvPicPr>
+          <p:nvPr/>
+        </p:nvPicPr>
+        <p:blipFill>
+          <a:blip r:embed="rId1"/>
+          <a:stretch>
+            <a:fillRect/>
+          </a:stretch>
+        </p:blipFill>
+        <p:spPr>
+          <a:xfrm>
+            <a:off x="7136130" y="1113790"/>
+            <a:ext cx="5091430" cy="5838825"/>
+          </a:xfrm>
+          <a:prstGeom prst="rect">
+            <a:avLst/>
+          </a:prstGeom>
+        </p:spPr>
+      </p:pic>
+      <p:sp>
+        <p:nvSpPr>
+          <p:cNvPr id="10" name="Cuadro de texto 9"/>
+          <p:cNvSpPr txBox="1"/>
+          <p:nvPr/>
+        </p:nvSpPr>
+        <p:spPr>
+          <a:xfrm>
+            <a:off x="299085" y="1619885"/>
+            <a:ext cx="6228715" cy="829945"/>
+          </a:xfrm>
+          <a:prstGeom prst="rect">
+            <a:avLst/>
+          </a:prstGeom>
+          <a:noFill/>
+        </p:spPr>
+        <p:txBody>
+          <a:bodyPr wrap="square" rtlCol="0" anchor="t">
+            <a:spAutoFit/>
+          </a:bodyPr>
+          <a:p>
+            <a:r>
+              <a:rPr lang="es-ES" altLang="en-US"/>
+              <a:t>Any project in a workspace able to contain and customize automatic task commands.</a:t>
+            </a:r>
+            <a:endParaRPr lang="es-ES" altLang="en-US"/>
+          </a:p>
+        </p:txBody>
+      </p:sp>
+    </p:spTree>
+  </p:cSld>
+  <p:clrMapOvr>
+    <a:masterClrMapping/>
+  </p:clrMapOvr>
+</p:sld>
+</file>
+
+<file path=ppt/slides/slide14.xml><?xml version="1.0" encoding="utf-8"?>
+<p:sld xmlns:a="http://schemas.openxmlformats.org/drawingml/2006/main" xmlns:r="http://schemas.openxmlformats.org/officeDocument/2006/relationships" xmlns:p="http://schemas.openxmlformats.org/presentationml/2006/main">
+  <p:cSld>
+    <p:spTree>
+      <p:nvGrpSpPr>
+        <p:cNvPr id="1" name=""/>
+        <p:cNvGrpSpPr/>
+        <p:nvPr/>
+      </p:nvGrpSpPr>
+      <p:grpSpPr/>
+      <p:sp>
+        <p:nvSpPr>
+          <p:cNvPr id="2" name="Título 1"/>
+          <p:cNvSpPr>
+            <a:spLocks noGrp="1"/>
+          </p:cNvSpPr>
+          <p:nvPr>
+            <p:ph type="title"/>
+          </p:nvPr>
+        </p:nvSpPr>
+        <p:spPr/>
+        <p:txBody>
+          <a:bodyPr/>
+          <a:p>
+            <a:r>
+              <a:rPr lang="es-ES" altLang="en-US">
+                <a:sym typeface="+mn-ea"/>
+              </a:rPr>
+              <a:t>Angular CLI</a:t>
+            </a:r>
+            <a:br>
+              <a:rPr lang="es-ES" altLang="en-US"/>
+            </a:br>
+            <a:endParaRPr lang="es-ES" altLang="en-US"/>
+          </a:p>
+        </p:txBody>
+      </p:sp>
+      <p:sp>
+        <p:nvSpPr>
+          <p:cNvPr id="3" name="Marcador de posición de texto 2"/>
+          <p:cNvSpPr>
+            <a:spLocks noGrp="1"/>
+          </p:cNvSpPr>
+          <p:nvPr>
+            <p:ph type="body" sz="quarter" idx="13"/>
+          </p:nvPr>
+        </p:nvSpPr>
+        <p:spPr/>
+        <p:txBody>
+          <a:bodyPr/>
+          <a:p>
+            <a:r>
+              <a:rPr lang="es-ES" altLang="en-US">
+                <a:sym typeface="+mn-ea"/>
+              </a:rPr>
+              <a:t>angular.json</a:t>
+            </a:r>
+            <a:endParaRPr lang="es-ES" altLang="en-US"/>
+          </a:p>
+        </p:txBody>
+      </p:sp>
+      <p:sp>
+        <p:nvSpPr>
+          <p:cNvPr id="6" name="Cuadro de texto 5"/>
+          <p:cNvSpPr txBox="1"/>
+          <p:nvPr/>
+        </p:nvSpPr>
+        <p:spPr>
+          <a:xfrm>
+            <a:off x="299085" y="1818005"/>
+            <a:ext cx="6003290" cy="460375"/>
+          </a:xfrm>
+          <a:prstGeom prst="rect">
+            <a:avLst/>
+          </a:prstGeom>
+          <a:noFill/>
+        </p:spPr>
+        <p:txBody>
+          <a:bodyPr wrap="square" rtlCol="0">
+            <a:spAutoFit/>
+          </a:bodyPr>
+          <a:p>
+            <a:r>
+              <a:rPr lang="es-ES" altLang="en-US"/>
+              <a:t>Multiples proyectos??</a:t>
+            </a:r>
+            <a:endParaRPr lang="es-ES" altLang="en-US"/>
+          </a:p>
+        </p:txBody>
+      </p:sp>
+    </p:spTree>
+  </p:cSld>
+  <p:clrMapOvr>
+    <a:masterClrMapping/>
+  </p:clrMapOvr>
+</p:sld>
+</file>
+
+<file path=ppt/slides/slide15.xml><?xml version="1.0" encoding="utf-8"?>
+<p:sld xmlns:a="http://schemas.openxmlformats.org/drawingml/2006/main" xmlns:r="http://schemas.openxmlformats.org/officeDocument/2006/relationships" xmlns:p="http://schemas.openxmlformats.org/presentationml/2006/main">
+  <p:cSld>
+    <p:spTree>
+      <p:nvGrpSpPr>
+        <p:cNvPr id="1" name=""/>
+        <p:cNvGrpSpPr/>
+        <p:nvPr/>
+      </p:nvGrpSpPr>
+      <p:grpSpPr/>
+      <p:sp>
+        <p:nvSpPr>
+          <p:cNvPr id="2" name="Título 1"/>
+          <p:cNvSpPr>
+            <a:spLocks noGrp="1"/>
+          </p:cNvSpPr>
+          <p:nvPr>
+            <p:ph type="title"/>
+          </p:nvPr>
+        </p:nvSpPr>
+        <p:spPr/>
+        <p:txBody>
+          <a:bodyPr/>
+          <a:p>
+            <a:r>
+              <a:rPr lang="es-ES" altLang="en-US">
+                <a:sym typeface="+mn-ea"/>
+              </a:rPr>
+              <a:t>Commands</a:t>
+            </a:r>
+            <a:br>
+              <a:rPr lang="es-ES" altLang="en-US"/>
+            </a:br>
+            <a:endParaRPr lang="es-ES" altLang="en-US"/>
+          </a:p>
+        </p:txBody>
+      </p:sp>
+      <p:sp>
+        <p:nvSpPr>
+          <p:cNvPr id="3" name="Marcador de posición de texto 2"/>
+          <p:cNvSpPr>
+            <a:spLocks noGrp="1"/>
+          </p:cNvSpPr>
+          <p:nvPr>
+            <p:ph type="body" sz="quarter" idx="13"/>
+          </p:nvPr>
+        </p:nvSpPr>
+        <p:spPr/>
+        <p:txBody>
+          <a:bodyPr/>
+          <a:p>
+            <a:r>
+              <a:rPr lang="es-ES" altLang="en-US"/>
+              <a:t>ng build</a:t>
+            </a:r>
+            <a:endParaRPr lang="es-ES" altLang="en-US"/>
+          </a:p>
+        </p:txBody>
+      </p:sp>
+      <p:sp>
+        <p:nvSpPr>
+          <p:cNvPr id="4" name="Cuadro de texto 3"/>
+          <p:cNvSpPr txBox="1"/>
+          <p:nvPr/>
+        </p:nvSpPr>
+        <p:spPr>
+          <a:xfrm>
+            <a:off x="435610" y="1612265"/>
+            <a:ext cx="7240270" cy="1198880"/>
+          </a:xfrm>
+          <a:prstGeom prst="rect">
+            <a:avLst/>
+          </a:prstGeom>
+          <a:noFill/>
+        </p:spPr>
+        <p:txBody>
+          <a:bodyPr wrap="square" rtlCol="0" anchor="t">
+            <a:spAutoFit/>
+          </a:bodyPr>
+          <a:p>
+            <a:r>
+              <a:rPr lang="es-ES" altLang="en-US"/>
+              <a:t>Compiles an Angular app into an output directory named dist/ at the given output path. Must be executed from within a workspace directory.</a:t>
+            </a:r>
+            <a:endParaRPr lang="es-ES" altLang="en-US"/>
+          </a:p>
+        </p:txBody>
+      </p:sp>
+      <p:sp>
+        <p:nvSpPr>
+          <p:cNvPr id="5" name="Cuadro de texto 4"/>
+          <p:cNvSpPr txBox="1"/>
+          <p:nvPr/>
+        </p:nvSpPr>
+        <p:spPr>
+          <a:xfrm>
+            <a:off x="435610" y="3143885"/>
+            <a:ext cx="7239635" cy="829945"/>
+          </a:xfrm>
+          <a:prstGeom prst="rect">
+            <a:avLst/>
+          </a:prstGeom>
+          <a:noFill/>
+        </p:spPr>
+        <p:txBody>
+          <a:bodyPr wrap="square" rtlCol="0" anchor="t">
+            <a:spAutoFit/>
+          </a:bodyPr>
+          <a:p>
+            <a:r>
+              <a:rPr lang="es-ES" altLang="en-US"/>
+              <a:t>Uses the Webpack build tool, with environment and build options specified in the CLI configuration file.</a:t>
+            </a:r>
+            <a:endParaRPr lang="es-ES" altLang="en-US"/>
+          </a:p>
+        </p:txBody>
+      </p:sp>
+    </p:spTree>
+  </p:cSld>
+  <p:clrMapOvr>
+    <a:masterClrMapping/>
+  </p:clrMapOvr>
+</p:sld>
+</file>
+
+<file path=ppt/slides/slide16.xml><?xml version="1.0" encoding="utf-8"?>
+<p:sld xmlns:a="http://schemas.openxmlformats.org/drawingml/2006/main" xmlns:r="http://schemas.openxmlformats.org/officeDocument/2006/relationships" xmlns:p="http://schemas.openxmlformats.org/presentationml/2006/main">
+  <p:cSld>
+    <p:spTree>
+      <p:nvGrpSpPr>
+        <p:cNvPr id="1" name=""/>
+        <p:cNvGrpSpPr/>
+        <p:nvPr/>
+      </p:nvGrpSpPr>
+      <p:grpSpPr/>
+      <p:sp>
+        <p:nvSpPr>
+          <p:cNvPr id="2" name="Título 1"/>
+          <p:cNvSpPr>
+            <a:spLocks noGrp="1"/>
+          </p:cNvSpPr>
+          <p:nvPr>
+            <p:ph type="title"/>
+          </p:nvPr>
+        </p:nvSpPr>
+        <p:spPr/>
+        <p:txBody>
+          <a:bodyPr/>
+          <a:p>
+            <a:r>
+              <a:rPr lang="es-ES" altLang="en-US">
+                <a:sym typeface="+mn-ea"/>
+              </a:rPr>
+              <a:t>Angular CLI</a:t>
+            </a:r>
+            <a:endParaRPr lang="es-ES" altLang="en-US"/>
+          </a:p>
+        </p:txBody>
+      </p:sp>
+      <p:sp>
+        <p:nvSpPr>
+          <p:cNvPr id="3" name="Marcador de posición de texto 2"/>
+          <p:cNvSpPr>
+            <a:spLocks noGrp="1"/>
+          </p:cNvSpPr>
+          <p:nvPr>
+            <p:ph type="body" sz="quarter" idx="13"/>
+          </p:nvPr>
+        </p:nvSpPr>
+        <p:spPr/>
+        <p:txBody>
+          <a:bodyPr/>
+          <a:p>
+            <a:endParaRPr lang="es-ES" altLang="en-US"/>
+          </a:p>
+        </p:txBody>
+      </p:sp>
+      <p:sp>
+        <p:nvSpPr>
+          <p:cNvPr id="4" name="Cuadro de texto 3"/>
+          <p:cNvSpPr txBox="1"/>
+          <p:nvPr/>
+        </p:nvSpPr>
+        <p:spPr>
+          <a:xfrm>
+            <a:off x="299085" y="2044700"/>
+            <a:ext cx="8434705" cy="460375"/>
+          </a:xfrm>
+          <a:prstGeom prst="rect">
+            <a:avLst/>
+          </a:prstGeom>
+          <a:noFill/>
+        </p:spPr>
+        <p:txBody>
+          <a:bodyPr wrap="square" rtlCol="0">
+            <a:spAutoFit/>
+          </a:bodyPr>
+          <a:p>
+            <a:r>
+              <a:rPr lang="es-ES" altLang="en-US"/>
+              <a:t>Ejercicio Enviroments</a:t>
+            </a:r>
+            <a:endParaRPr lang="es-ES" altLang="en-US"/>
+          </a:p>
+        </p:txBody>
+      </p:sp>
+    </p:spTree>
+  </p:cSld>
+  <p:clrMapOvr>
+    <a:masterClrMapping/>
+  </p:clrMapOvr>
+</p:sld>
+</file>
+
+<file path=ppt/slides/slide17.xml><?xml version="1.0" encoding="utf-8"?>
+<p:sld xmlns:a="http://schemas.openxmlformats.org/drawingml/2006/main" xmlns:r="http://schemas.openxmlformats.org/officeDocument/2006/relationships" xmlns:p="http://schemas.openxmlformats.org/presentationml/2006/main">
+  <p:cSld>
+    <p:spTree>
+      <p:nvGrpSpPr>
+        <p:cNvPr id="1" name=""/>
+        <p:cNvGrpSpPr/>
+        <p:nvPr/>
+      </p:nvGrpSpPr>
+      <p:grpSpPr/>
+      <p:sp>
+        <p:nvSpPr>
+          <p:cNvPr id="2" name="Título 1"/>
+          <p:cNvSpPr>
+            <a:spLocks noGrp="1"/>
+          </p:cNvSpPr>
+          <p:nvPr>
+            <p:ph type="title"/>
+          </p:nvPr>
+        </p:nvSpPr>
+        <p:spPr/>
+        <p:txBody>
+          <a:bodyPr/>
+          <a:p>
+            <a:r>
+              <a:rPr lang="es-ES" altLang="en-US"/>
+              <a:t>Npm</a:t>
+            </a:r>
+            <a:endParaRPr lang="es-ES" altLang="en-US"/>
+          </a:p>
+        </p:txBody>
+      </p:sp>
+      <p:sp>
+        <p:nvSpPr>
+          <p:cNvPr id="3" name="Marcador de posición de texto 2"/>
+          <p:cNvSpPr>
+            <a:spLocks noGrp="1"/>
+          </p:cNvSpPr>
+          <p:nvPr>
+            <p:ph type="body" sz="quarter" idx="13"/>
+          </p:nvPr>
+        </p:nvSpPr>
+        <p:spPr/>
+        <p:txBody>
+          <a:bodyPr/>
+          <a:p>
+            <a:r>
+              <a:rPr lang="es-ES" altLang="en-US"/>
+              <a:t>What is</a:t>
+            </a:r>
+            <a:endParaRPr lang="es-ES" altLang="en-US"/>
+          </a:p>
+        </p:txBody>
+      </p:sp>
+    </p:spTree>
+  </p:cSld>
+  <p:clrMapOvr>
+    <a:masterClrMapping/>
+  </p:clrMapOvr>
+</p:sld>
+</file>
+
+<file path=ppt/slides/slide18.xml><?xml version="1.0" encoding="utf-8"?>
+<p:sld xmlns:a="http://schemas.openxmlformats.org/drawingml/2006/main" xmlns:r="http://schemas.openxmlformats.org/officeDocument/2006/relationships" xmlns:p="http://schemas.openxmlformats.org/presentationml/2006/main">
+  <p:cSld>
+    <p:spTree>
+      <p:nvGrpSpPr>
+        <p:cNvPr id="1" name=""/>
+        <p:cNvGrpSpPr/>
+        <p:nvPr/>
+      </p:nvGrpSpPr>
+      <p:grpSpPr/>
+      <p:sp>
+        <p:nvSpPr>
+          <p:cNvPr id="2" name="Título 1"/>
+          <p:cNvSpPr>
+            <a:spLocks noGrp="1"/>
+          </p:cNvSpPr>
+          <p:nvPr>
+            <p:ph type="title"/>
+          </p:nvPr>
+        </p:nvSpPr>
+        <p:spPr/>
+        <p:txBody>
+          <a:bodyPr/>
+          <a:p>
+            <a:r>
+              <a:rPr lang="es-ES" altLang="en-US"/>
+              <a:t>Npm</a:t>
+            </a:r>
+            <a:endParaRPr lang="es-ES" altLang="en-US"/>
+          </a:p>
+        </p:txBody>
+      </p:sp>
+      <p:sp>
+        <p:nvSpPr>
+          <p:cNvPr id="3" name="Marcador de posición de texto 2"/>
+          <p:cNvSpPr>
+            <a:spLocks noGrp="1"/>
+          </p:cNvSpPr>
+          <p:nvPr>
+            <p:ph type="body" sz="quarter" idx="13"/>
+          </p:nvPr>
+        </p:nvSpPr>
+        <p:spPr/>
+        <p:txBody>
+          <a:bodyPr/>
+          <a:p>
+            <a:r>
+              <a:rPr lang="es-ES" altLang="en-US"/>
+              <a:t>Task-Runner</a:t>
+            </a:r>
+            <a:endParaRPr lang="es-ES" altLang="en-US"/>
+          </a:p>
+        </p:txBody>
+      </p:sp>
+    </p:spTree>
+  </p:cSld>
+  <p:clrMapOvr>
+    <a:masterClrMapping/>
+  </p:clrMapOvr>
+</p:sld>
+</file>
+
+<file path=ppt/slides/slide19.xml><?xml version="1.0" encoding="utf-8"?>
+<p:sld xmlns:a="http://schemas.openxmlformats.org/drawingml/2006/main" xmlns:r="http://schemas.openxmlformats.org/officeDocument/2006/relationships" xmlns:p="http://schemas.openxmlformats.org/presentationml/2006/main">
+  <p:cSld>
+    <p:spTree>
+      <p:nvGrpSpPr>
+        <p:cNvPr id="1" name=""/>
+        <p:cNvGrpSpPr/>
+        <p:nvPr/>
+      </p:nvGrpSpPr>
+      <p:grpSpPr/>
+      <p:sp>
+        <p:nvSpPr>
+          <p:cNvPr id="2" name="Título 1"/>
+          <p:cNvSpPr>
+            <a:spLocks noGrp="1"/>
+          </p:cNvSpPr>
+          <p:nvPr>
+            <p:ph type="title"/>
+          </p:nvPr>
+        </p:nvSpPr>
+        <p:spPr/>
+        <p:txBody>
+          <a:bodyPr/>
+          <a:p>
+            <a:endParaRPr lang="es-ES" altLang="en-US"/>
+          </a:p>
+        </p:txBody>
+      </p:sp>
+      <p:sp>
+        <p:nvSpPr>
+          <p:cNvPr id="3" name="Marcador de posición de texto 2"/>
+          <p:cNvSpPr>
+            <a:spLocks noGrp="1"/>
+          </p:cNvSpPr>
+          <p:nvPr>
+            <p:ph type="body" sz="quarter" idx="13"/>
+          </p:nvPr>
+        </p:nvSpPr>
+        <p:spPr/>
+        <p:txBody>
+          <a:bodyPr/>
+          <a:p>
+            <a:endParaRPr lang="es-ES" altLang="en-US"/>
+          </a:p>
+        </p:txBody>
+      </p:sp>
+      <p:sp>
+        <p:nvSpPr>
+          <p:cNvPr id="4" name="Cuadro de texto 3"/>
+          <p:cNvSpPr txBox="1"/>
+          <p:nvPr/>
+        </p:nvSpPr>
+        <p:spPr>
+          <a:xfrm>
+            <a:off x="1351915" y="1779270"/>
+            <a:ext cx="8200390" cy="460375"/>
+          </a:xfrm>
+          <a:prstGeom prst="rect">
+            <a:avLst/>
+          </a:prstGeom>
+          <a:noFill/>
+        </p:spPr>
+        <p:txBody>
+          <a:bodyPr wrap="square" rtlCol="0">
+            <a:spAutoFit/>
+          </a:bodyPr>
+          <a:p>
+            <a:r>
+              <a:rPr lang="es-ES" altLang="en-US"/>
+              <a:t>Workshop Generar una libreria</a:t>
+            </a:r>
+            <a:endParaRPr lang="es-ES" altLang="en-US"/>
+          </a:p>
+        </p:txBody>
+      </p:sp>
+    </p:spTree>
+  </p:cSld>
+  <p:clrMapOvr>
+    <a:masterClrMapping/>
+  </p:clrMapOvr>
+</p:sld>
+</file>
+
 <file path=ppt/slides/slide2.xml><?xml version="1.0" encoding="utf-8"?>
 <p:sld xmlns:a="http://schemas.openxmlformats.org/drawingml/2006/main" xmlns:r="http://schemas.openxmlformats.org/officeDocument/2006/relationships" xmlns:p="http://schemas.openxmlformats.org/presentationml/2006/main" showMasterSp="0">
   <p:cSld>
@@ -6935,8 +8094,8 @@
         </p:nvSpPr>
         <p:spPr>
           <a:xfrm>
-            <a:off x="1487805" y="4197985"/>
-            <a:ext cx="7585075" cy="1938020"/>
+            <a:off x="4169410" y="4260850"/>
+            <a:ext cx="4065270" cy="1938020"/>
           </a:xfrm>
           <a:prstGeom prst="rect">
             <a:avLst/>
@@ -6988,17 +8147,19 @@
               <a:buAutoNum type="arabicPeriod"/>
             </a:pPr>
             <a:r>
-              <a:rPr lang="en-US">
+              <a:rPr lang="es-ES" altLang="en-US">
                 <a:solidFill>
                   <a:schemeClr val="bg1"/>
                 </a:solidFill>
+                <a:sym typeface="+mn-ea"/>
               </a:rPr>
-              <a:t>Documentacion automatizada de proyectos</a:t>
-            </a:r>
-            <a:endParaRPr lang="en-US">
+              <a:t>Automatic Documentation</a:t>
+            </a:r>
+            <a:endParaRPr lang="es-ES" altLang="en-US">
               <a:solidFill>
                 <a:schemeClr val="bg1"/>
               </a:solidFill>
+              <a:sym typeface="+mn-ea"/>
             </a:endParaRPr>
           </a:p>
           <a:p>
@@ -7047,7 +8208,7 @@
         </p:blipFill>
         <p:spPr>
           <a:xfrm>
-            <a:off x="2824480" y="1382395"/>
+            <a:off x="3524885" y="1383030"/>
             <a:ext cx="2529205" cy="2529205"/>
           </a:xfrm>
           <a:prstGeom prst="rect">
@@ -7071,14 +8232,92 @@
         </p:blipFill>
         <p:spPr>
           <a:xfrm>
-            <a:off x="7248525" y="1734820"/>
-            <a:ext cx="1823720" cy="1823720"/>
+            <a:off x="6402070" y="1663065"/>
+            <a:ext cx="1980565" cy="1980565"/>
           </a:xfrm>
           <a:prstGeom prst="rect">
             <a:avLst/>
           </a:prstGeom>
         </p:spPr>
       </p:pic>
+    </p:spTree>
+  </p:cSld>
+  <p:clrMapOvr>
+    <a:masterClrMapping/>
+  </p:clrMapOvr>
+</p:sld>
+</file>
+
+<file path=ppt/slides/slide20.xml><?xml version="1.0" encoding="utf-8"?>
+<p:sld xmlns:a="http://schemas.openxmlformats.org/drawingml/2006/main" xmlns:r="http://schemas.openxmlformats.org/officeDocument/2006/relationships" xmlns:p="http://schemas.openxmlformats.org/presentationml/2006/main">
+  <p:cSld>
+    <p:spTree>
+      <p:nvGrpSpPr>
+        <p:cNvPr id="1" name=""/>
+        <p:cNvGrpSpPr/>
+        <p:nvPr/>
+      </p:nvGrpSpPr>
+      <p:grpSpPr>
+        <a:xfrm>
+          <a:off x="0" y="0"/>
+          <a:ext cx="0" cy="0"/>
+          <a:chOff x="0" y="0"/>
+          <a:chExt cx="0" cy="0"/>
+        </a:xfrm>
+      </p:grpSpPr>
+      <p:sp>
+        <p:nvSpPr>
+          <p:cNvPr id="2" name="Título 1"/>
+          <p:cNvSpPr>
+            <a:spLocks noGrp="1"/>
+          </p:cNvSpPr>
+          <p:nvPr>
+            <p:ph type="title"/>
+          </p:nvPr>
+        </p:nvSpPr>
+        <p:spPr/>
+        <p:txBody>
+          <a:bodyPr>
+            <a:normAutofit fontScale="90000"/>
+          </a:bodyPr>
+          <a:lstStyle/>
+          <a:p>
+            <a:r>
+              <a:rPr lang="es-ES" dirty="0" err="1"/>
+              <a:t>XXXXXXXX</a:t>
+            </a:r>
+            <a:br>
+              <a:rPr lang="es-ES" dirty="0" err="1"/>
+            </a:br>
+            <a:endParaRPr lang="es-ES" dirty="0"/>
+          </a:p>
+        </p:txBody>
+      </p:sp>
+    </p:spTree>
+  </p:cSld>
+  <p:clrMapOvr>
+    <a:masterClrMapping/>
+  </p:clrMapOvr>
+</p:sld>
+</file>
+
+<file path=ppt/slides/slide21.xml><?xml version="1.0" encoding="utf-8"?>
+<p:sld xmlns:a="http://schemas.openxmlformats.org/drawingml/2006/main" xmlns:r="http://schemas.openxmlformats.org/officeDocument/2006/relationships" xmlns:p="http://schemas.openxmlformats.org/presentationml/2006/main">
+  <p:cSld>
+    <p:spTree>
+      <p:nvGrpSpPr>
+        <p:cNvPr id="1" name=""/>
+        <p:cNvGrpSpPr/>
+        <p:nvPr/>
+      </p:nvGrpSpPr>
+      <p:grpSpPr>
+        <a:xfrm>
+          <a:off x="0" y="0"/>
+          <a:ext cx="0" cy="0"/>
+          <a:chOff x="0" y="0"/>
+          <a:chExt cx="0" cy="0"/>
+        </a:xfrm>
+      </p:grpSpPr>
     </p:spTree>
   </p:cSld>
   <p:clrMapOvr>
@@ -7181,7 +8420,7 @@
                 </a:solidFill>
                 <a:sym typeface="+mn-ea"/>
               </a:rPr>
-              <a:t>Develop apps in modular fashion using core, shared and feature modules.</a:t>
+              <a:t>Develop apps in modular fashion using core, shared and feature modules</a:t>
             </a:r>
             <a:endParaRPr lang="es-ES" altLang="en-US">
               <a:solidFill>
@@ -7201,7 +8440,7 @@
                 </a:solidFill>
                 <a:sym typeface="+mn-ea"/>
               </a:rPr>
-              <a:t>Lazy loading a feature module. </a:t>
+              <a:t>Lazy loading a feature module </a:t>
             </a:r>
             <a:endParaRPr lang="es-ES" altLang="en-US">
               <a:solidFill>
@@ -7258,7 +8497,7 @@
             <a:r>
               <a:rPr lang="es-ES" altLang="en-US">
                 <a:solidFill>
-                  <a:srgbClr val="FFFF00"/>
+                  <a:schemeClr val="bg1"/>
                 </a:solidFill>
                 <a:sym typeface="+mn-ea"/>
               </a:rPr>
@@ -7364,7 +8603,7 @@
         </p:nvSpPr>
         <p:spPr>
           <a:xfrm>
-            <a:off x="1243330" y="4086225"/>
+            <a:off x="1319530" y="4117340"/>
             <a:ext cx="9552940" cy="858520"/>
           </a:xfrm>
         </p:spPr>
@@ -7458,7 +8697,7 @@
         </p:nvSpPr>
         <p:spPr>
           <a:xfrm>
-            <a:off x="583565" y="3068955"/>
+            <a:off x="413385" y="2091055"/>
             <a:ext cx="6114415" cy="1198880"/>
           </a:xfrm>
           <a:prstGeom prst="rect">
@@ -7561,7 +8800,7 @@
           <a:p>
             <a:r>
               <a:rPr lang="es-ES" altLang="en-US"/>
-              <a:t>angular.json</a:t>
+              <a:t>Commands</a:t>
             </a:r>
             <a:endParaRPr lang="es-ES" altLang="en-US"/>
           </a:p>
@@ -7569,7 +8808,7 @@
       </p:sp>
       <p:pic>
         <p:nvPicPr>
-          <p:cNvPr id="7" name="Imagen 6"/>
+          <p:cNvPr id="5" name="Imagen 4"/>
           <p:cNvPicPr>
             <a:picLocks noChangeAspect="1"/>
           </p:cNvPicPr>
@@ -7583,48 +8822,24 @@
         </p:blipFill>
         <p:spPr>
           <a:xfrm>
-            <a:off x="4464050" y="829310"/>
-            <a:ext cx="4534535" cy="3619500"/>
+            <a:off x="7008495" y="1737360"/>
+            <a:ext cx="2689860" cy="3383280"/>
           </a:xfrm>
           <a:prstGeom prst="rect">
             <a:avLst/>
           </a:prstGeom>
         </p:spPr>
       </p:pic>
-      <p:pic>
-        <p:nvPicPr>
-          <p:cNvPr id="8" name="Imagen 7"/>
-          <p:cNvPicPr>
-            <a:picLocks noChangeAspect="1"/>
-          </p:cNvPicPr>
-          <p:nvPr/>
-        </p:nvPicPr>
-        <p:blipFill>
-          <a:blip r:embed="rId2"/>
-          <a:stretch>
-            <a:fillRect/>
-          </a:stretch>
-        </p:blipFill>
-        <p:spPr>
-          <a:xfrm>
-            <a:off x="6807835" y="3548380"/>
-            <a:ext cx="4938395" cy="2743200"/>
-          </a:xfrm>
-          <a:prstGeom prst="rect">
-            <a:avLst/>
-          </a:prstGeom>
-        </p:spPr>
-      </p:pic>
-      <p:sp>
-        <p:nvSpPr>
-          <p:cNvPr id="9" name="Cuadro de texto 8"/>
+      <p:sp>
+        <p:nvSpPr>
+          <p:cNvPr id="6" name="Cuadro de texto 5"/>
           <p:cNvSpPr txBox="1"/>
           <p:nvPr/>
         </p:nvSpPr>
         <p:spPr>
           <a:xfrm>
-            <a:off x="299085" y="2020570"/>
-            <a:ext cx="4296410" cy="1938020"/>
+            <a:off x="5902325" y="5890260"/>
+            <a:ext cx="5717540" cy="460375"/>
           </a:xfrm>
           <a:prstGeom prst="rect">
             <a:avLst/>
@@ -7638,25 +8853,22 @@
           <a:p>
             <a:r>
               <a:rPr lang="es-ES" altLang="en-US"/>
-              <a:t>This file is used as the configuration schema for the whole project and manipulated by the CLI. </a:t>
+              <a:t>https://github.com/angular/angular-cli/wiki</a:t>
             </a:r>
             <a:endParaRPr lang="es-ES" altLang="en-US"/>
           </a:p>
-          <a:p>
-            <a:endParaRPr lang="es-ES" altLang="en-US"/>
-          </a:p>
-        </p:txBody>
-      </p:sp>
-      <p:sp>
-        <p:nvSpPr>
-          <p:cNvPr id="10" name="Cuadro de texto 9"/>
+        </p:txBody>
+      </p:sp>
+      <p:sp>
+        <p:nvSpPr>
+          <p:cNvPr id="7" name="Cuadro de texto 6"/>
           <p:cNvSpPr txBox="1"/>
           <p:nvPr/>
         </p:nvSpPr>
         <p:spPr>
           <a:xfrm>
-            <a:off x="299085" y="4721225"/>
-            <a:ext cx="6508115" cy="1568450"/>
+            <a:off x="274320" y="1665605"/>
+            <a:ext cx="5966460" cy="1568450"/>
           </a:xfrm>
           <a:prstGeom prst="rect">
             <a:avLst/>
@@ -7669,10 +8881,18 @@
           </a:bodyPr>
           <a:p>
             <a:r>
-              <a:rPr lang="es-ES" altLang="en-US">
-                <a:sym typeface="+mn-ea"/>
-              </a:rPr>
-              <a:t>Including managing of different environments, testing, proxy, third-party resources and plenty of built-in tools and capabilities for developing our application.</a:t>
+              <a:rPr lang="es-ES" altLang="en-US"/>
+              <a:t>Command syntax is shown as follows:</a:t>
+            </a:r>
+            <a:endParaRPr lang="es-ES" altLang="en-US"/>
+          </a:p>
+          <a:p>
+            <a:endParaRPr lang="es-ES" altLang="en-US"/>
+          </a:p>
+          <a:p>
+            <a:r>
+              <a:rPr lang="es-ES" altLang="en-US"/>
+              <a:t>ng commandNameOrAlias requiredArg [optionalArg] [options]</a:t>
             </a:r>
             <a:endParaRPr lang="es-ES" altLang="en-US"/>
           </a:p>
@@ -7714,7 +8934,7 @@
               <a:rPr lang="es-ES" altLang="en-US">
                 <a:sym typeface="+mn-ea"/>
               </a:rPr>
-              <a:t>Angular CLI</a:t>
+              <a:t>Commands</a:t>
             </a:r>
             <a:br>
               <a:rPr lang="es-ES" altLang="en-US"/>
@@ -7738,10 +8958,66 @@
           <a:bodyPr/>
           <a:p>
             <a:r>
-              <a:rPr lang="es-ES" altLang="en-US">
-                <a:sym typeface="+mn-ea"/>
-              </a:rPr>
-              <a:t>angular.json</a:t>
+              <a:rPr lang="es-ES" altLang="en-US"/>
+              <a:t>ng-new</a:t>
+            </a:r>
+            <a:endParaRPr lang="es-ES" altLang="en-US"/>
+          </a:p>
+        </p:txBody>
+      </p:sp>
+      <p:sp>
+        <p:nvSpPr>
+          <p:cNvPr id="4" name="Cuadro de texto 3"/>
+          <p:cNvSpPr txBox="1"/>
+          <p:nvPr/>
+        </p:nvSpPr>
+        <p:spPr>
+          <a:xfrm>
+            <a:off x="299085" y="1732280"/>
+            <a:ext cx="5151755" cy="829945"/>
+          </a:xfrm>
+          <a:prstGeom prst="rect">
+            <a:avLst/>
+          </a:prstGeom>
+          <a:noFill/>
+        </p:spPr>
+        <p:txBody>
+          <a:bodyPr wrap="square" rtlCol="0" anchor="t">
+            <a:spAutoFit/>
+          </a:bodyPr>
+          <a:p>
+            <a:r>
+              <a:rPr lang="es-ES" altLang="en-US"/>
+              <a:t>Creates a new workspace and an initial Angular app.</a:t>
+            </a:r>
+            <a:endParaRPr lang="es-ES" altLang="en-US"/>
+          </a:p>
+        </p:txBody>
+      </p:sp>
+      <p:sp>
+        <p:nvSpPr>
+          <p:cNvPr id="6" name="Cuadro de texto 5"/>
+          <p:cNvSpPr txBox="1"/>
+          <p:nvPr/>
+        </p:nvSpPr>
+        <p:spPr>
+          <a:xfrm>
+            <a:off x="299085" y="2693670"/>
+            <a:ext cx="4979670" cy="460375"/>
+          </a:xfrm>
+          <a:prstGeom prst="rect">
+            <a:avLst/>
+          </a:prstGeom>
+          <a:noFill/>
+        </p:spPr>
+        <p:txBody>
+          <a:bodyPr wrap="square" rtlCol="0" anchor="t">
+            <a:spAutoFit/>
+          </a:bodyPr>
+          <a:p>
+            <a:r>
+              <a:rPr lang="es-ES" altLang="en-US"/>
+              <a:t>ng new &lt;name&gt; [options]</a:t>
             </a:r>
             <a:endParaRPr lang="es-ES" altLang="en-US"/>
           </a:p>
@@ -7749,7 +9025,7 @@
       </p:sp>
       <p:pic>
         <p:nvPicPr>
-          <p:cNvPr id="4" name="Imagen 3" descr="angular-cli-workspace-example"/>
+          <p:cNvPr id="7" name="Imagen 6"/>
           <p:cNvPicPr>
             <a:picLocks noChangeAspect="1"/>
           </p:cNvPicPr>
@@ -7763,14 +9039,79 @@
         </p:blipFill>
         <p:spPr>
           <a:xfrm>
-            <a:off x="4450080" y="3373755"/>
-            <a:ext cx="3291840" cy="701040"/>
+            <a:off x="5016500" y="3966210"/>
+            <a:ext cx="7012305" cy="1986915"/>
           </a:xfrm>
           <a:prstGeom prst="rect">
             <a:avLst/>
           </a:prstGeom>
         </p:spPr>
       </p:pic>
+      <p:pic>
+        <p:nvPicPr>
+          <p:cNvPr id="9" name="Imagen 8"/>
+          <p:cNvPicPr>
+            <a:picLocks noChangeAspect="1"/>
+          </p:cNvPicPr>
+          <p:nvPr/>
+        </p:nvPicPr>
+        <p:blipFill>
+          <a:blip r:embed="rId2"/>
+          <a:stretch>
+            <a:fillRect/>
+          </a:stretch>
+        </p:blipFill>
+        <p:spPr>
+          <a:xfrm>
+            <a:off x="5511800" y="1637665"/>
+            <a:ext cx="5850255" cy="2072640"/>
+          </a:xfrm>
+          <a:prstGeom prst="rect">
+            <a:avLst/>
+          </a:prstGeom>
+        </p:spPr>
+      </p:pic>
+      <p:sp>
+        <p:nvSpPr>
+          <p:cNvPr id="10" name="Cuadro de texto 9"/>
+          <p:cNvSpPr txBox="1"/>
+          <p:nvPr/>
+        </p:nvSpPr>
+        <p:spPr>
+          <a:xfrm>
+            <a:off x="265430" y="3966210"/>
+            <a:ext cx="4124960" cy="829945"/>
+          </a:xfrm>
+          <a:prstGeom prst="rect">
+            <a:avLst/>
+          </a:prstGeom>
+          <a:noFill/>
+        </p:spPr>
+        <p:txBody>
+          <a:bodyPr wrap="square" rtlCol="0">
+            <a:spAutoFit/>
+          </a:bodyPr>
+          <a:p>
+            <a:r>
+              <a:rPr lang="es-ES" altLang="en-US">
+                <a:solidFill>
+                  <a:schemeClr val="bg1">
+                    <a:lumMod val="65000"/>
+                  </a:schemeClr>
+                </a:solidFill>
+              </a:rPr>
+              <a:t>default interactive = true -&gt; Angular 7</a:t>
+            </a:r>
+            <a:endParaRPr lang="es-ES" altLang="en-US">
+              <a:solidFill>
+                <a:schemeClr val="bg1">
+                  <a:lumMod val="65000"/>
+                </a:schemeClr>
+              </a:solidFill>
+            </a:endParaRPr>
+          </a:p>
+        </p:txBody>
+      </p:sp>
     </p:spTree>
   </p:cSld>
   <p:clrMapOvr>
@@ -7788,14 +9129,7 @@
         <p:cNvGrpSpPr/>
         <p:nvPr/>
       </p:nvGrpSpPr>
-      <p:grpSpPr>
-        <a:xfrm>
-          <a:off x="0" y="0"/>
-          <a:ext cx="0" cy="0"/>
-          <a:chOff x="0" y="0"/>
-          <a:chExt cx="0" cy="0"/>
-        </a:xfrm>
-      </p:grpSpPr>
+      <p:grpSpPr/>
       <p:sp>
         <p:nvSpPr>
           <p:cNvPr id="2" name="Título 1"/>
@@ -7808,22 +9142,245 @@
         </p:nvSpPr>
         <p:spPr/>
         <p:txBody>
-          <a:bodyPr>
-            <a:normAutofit fontScale="90000"/>
+          <a:bodyPr/>
+          <a:p>
+            <a:r>
+              <a:rPr lang="es-ES" altLang="en-US">
+                <a:sym typeface="+mn-ea"/>
+              </a:rPr>
+              <a:t>Commands</a:t>
+            </a:r>
+            <a:br>
+              <a:rPr lang="es-ES" altLang="en-US"/>
+            </a:br>
+            <a:endParaRPr lang="es-ES" altLang="en-US"/>
+          </a:p>
+        </p:txBody>
+      </p:sp>
+      <p:sp>
+        <p:nvSpPr>
+          <p:cNvPr id="3" name="Marcador de posición de texto 2"/>
+          <p:cNvSpPr>
+            <a:spLocks noGrp="1"/>
+          </p:cNvSpPr>
+          <p:nvPr>
+            <p:ph type="body" sz="quarter" idx="13"/>
+          </p:nvPr>
+        </p:nvSpPr>
+        <p:spPr/>
+        <p:txBody>
+          <a:bodyPr/>
+          <a:p>
+            <a:r>
+              <a:rPr lang="es-ES" altLang="en-US"/>
+              <a:t>ng-generate</a:t>
+            </a:r>
+            <a:endParaRPr lang="es-ES" altLang="en-US"/>
+          </a:p>
+        </p:txBody>
+      </p:sp>
+      <p:pic>
+        <p:nvPicPr>
+          <p:cNvPr id="4" name="Imagen 3"/>
+          <p:cNvPicPr>
+            <a:picLocks noChangeAspect="1"/>
+          </p:cNvPicPr>
+          <p:nvPr/>
+        </p:nvPicPr>
+        <p:blipFill>
+          <a:blip r:embed="rId1"/>
+          <a:stretch>
+            <a:fillRect/>
+          </a:stretch>
+        </p:blipFill>
+        <p:spPr>
+          <a:xfrm>
+            <a:off x="9848850" y="1514475"/>
+            <a:ext cx="1871980" cy="4125595"/>
+          </a:xfrm>
+          <a:prstGeom prst="rect">
+            <a:avLst/>
+          </a:prstGeom>
+        </p:spPr>
+      </p:pic>
+      <p:sp>
+        <p:nvSpPr>
+          <p:cNvPr id="5" name="Cuadro de texto 4"/>
+          <p:cNvSpPr txBox="1"/>
+          <p:nvPr/>
+        </p:nvSpPr>
+        <p:spPr>
+          <a:xfrm>
+            <a:off x="332105" y="2989580"/>
+            <a:ext cx="4584065" cy="460375"/>
+          </a:xfrm>
+          <a:prstGeom prst="rect">
+            <a:avLst/>
+          </a:prstGeom>
+          <a:noFill/>
+        </p:spPr>
+        <p:txBody>
+          <a:bodyPr wrap="square" rtlCol="0" anchor="t">
+            <a:spAutoFit/>
           </a:bodyPr>
-          <a:lstStyle/>
-          <a:p>
-            <a:r>
-              <a:rPr lang="es-ES" dirty="0" err="1"/>
-              <a:t>XXXXXXXX</a:t>
-            </a:r>
-            <a:br>
-              <a:rPr lang="es-ES" dirty="0" err="1"/>
-            </a:br>
-            <a:endParaRPr lang="es-ES" dirty="0"/>
-          </a:p>
-        </p:txBody>
-      </p:sp>
+          <a:p>
+            <a:r>
+              <a:rPr lang="es-ES" altLang="en-US"/>
+              <a:t>ng generate &lt;schematic&gt; [options]</a:t>
+            </a:r>
+            <a:endParaRPr lang="es-ES" altLang="en-US"/>
+          </a:p>
+        </p:txBody>
+      </p:sp>
+      <p:sp>
+        <p:nvSpPr>
+          <p:cNvPr id="6" name="Cuadro de texto 5"/>
+          <p:cNvSpPr txBox="1"/>
+          <p:nvPr/>
+        </p:nvSpPr>
+        <p:spPr>
+          <a:xfrm>
+            <a:off x="304165" y="1945005"/>
+            <a:ext cx="5050155" cy="829945"/>
+          </a:xfrm>
+          <a:prstGeom prst="rect">
+            <a:avLst/>
+          </a:prstGeom>
+          <a:noFill/>
+        </p:spPr>
+        <p:txBody>
+          <a:bodyPr wrap="square" rtlCol="0" anchor="t">
+            <a:spAutoFit/>
+          </a:bodyPr>
+          <a:p>
+            <a:r>
+              <a:rPr lang="es-ES" altLang="en-US"/>
+              <a:t>Generates and/or modifies files based on a schematic.</a:t>
+            </a:r>
+            <a:endParaRPr lang="es-ES" altLang="en-US"/>
+          </a:p>
+        </p:txBody>
+      </p:sp>
+      <p:pic>
+        <p:nvPicPr>
+          <p:cNvPr id="7" name="Imagen 6"/>
+          <p:cNvPicPr>
+            <a:picLocks noChangeAspect="1"/>
+          </p:cNvPicPr>
+          <p:nvPr/>
+        </p:nvPicPr>
+        <p:blipFill>
+          <a:blip r:embed="rId2"/>
+          <a:stretch>
+            <a:fillRect/>
+          </a:stretch>
+        </p:blipFill>
+        <p:spPr>
+          <a:xfrm>
+            <a:off x="5984875" y="1514475"/>
+            <a:ext cx="3726815" cy="784860"/>
+          </a:xfrm>
+          <a:prstGeom prst="rect">
+            <a:avLst/>
+          </a:prstGeom>
+        </p:spPr>
+      </p:pic>
+      <p:pic>
+        <p:nvPicPr>
+          <p:cNvPr id="9" name="Imagen 8"/>
+          <p:cNvPicPr>
+            <a:picLocks noChangeAspect="1"/>
+          </p:cNvPicPr>
+          <p:nvPr/>
+        </p:nvPicPr>
+        <p:blipFill>
+          <a:blip r:embed="rId3"/>
+          <a:stretch>
+            <a:fillRect/>
+          </a:stretch>
+        </p:blipFill>
+        <p:spPr>
+          <a:xfrm>
+            <a:off x="5984875" y="2579370"/>
+            <a:ext cx="3611880" cy="838200"/>
+          </a:xfrm>
+          <a:prstGeom prst="rect">
+            <a:avLst/>
+          </a:prstGeom>
+        </p:spPr>
+      </p:pic>
+      <p:pic>
+        <p:nvPicPr>
+          <p:cNvPr id="10" name="Imagen 9"/>
+          <p:cNvPicPr>
+            <a:picLocks noChangeAspect="1"/>
+          </p:cNvPicPr>
+          <p:nvPr/>
+        </p:nvPicPr>
+        <p:blipFill>
+          <a:blip r:embed="rId4"/>
+          <a:stretch>
+            <a:fillRect/>
+          </a:stretch>
+        </p:blipFill>
+        <p:spPr>
+          <a:xfrm>
+            <a:off x="5984875" y="3850005"/>
+            <a:ext cx="3634740" cy="982980"/>
+          </a:xfrm>
+          <a:prstGeom prst="rect">
+            <a:avLst/>
+          </a:prstGeom>
+        </p:spPr>
+      </p:pic>
+      <p:pic>
+        <p:nvPicPr>
+          <p:cNvPr id="11" name="Imagen 10"/>
+          <p:cNvPicPr>
+            <a:picLocks noChangeAspect="1"/>
+          </p:cNvPicPr>
+          <p:nvPr/>
+        </p:nvPicPr>
+        <p:blipFill>
+          <a:blip r:embed="rId5"/>
+          <a:stretch>
+            <a:fillRect/>
+          </a:stretch>
+        </p:blipFill>
+        <p:spPr>
+          <a:xfrm>
+            <a:off x="5984875" y="5147310"/>
+            <a:ext cx="3429000" cy="815340"/>
+          </a:xfrm>
+          <a:prstGeom prst="rect">
+            <a:avLst/>
+          </a:prstGeom>
+        </p:spPr>
+      </p:pic>
+      <p:pic>
+        <p:nvPicPr>
+          <p:cNvPr id="12" name="Imagen 11"/>
+          <p:cNvPicPr>
+            <a:picLocks noChangeAspect="1"/>
+          </p:cNvPicPr>
+          <p:nvPr/>
+        </p:nvPicPr>
+        <p:blipFill>
+          <a:blip r:embed="rId6"/>
+          <a:stretch>
+            <a:fillRect/>
+          </a:stretch>
+        </p:blipFill>
+        <p:spPr>
+          <a:xfrm>
+            <a:off x="393700" y="3850005"/>
+            <a:ext cx="5323205" cy="777240"/>
+          </a:xfrm>
+          <a:prstGeom prst="rect">
+            <a:avLst/>
+          </a:prstGeom>
+        </p:spPr>
+      </p:pic>
     </p:spTree>
   </p:cSld>
   <p:clrMapOvr>
@@ -7841,14 +9398,162 @@
         <p:cNvGrpSpPr/>
         <p:nvPr/>
       </p:nvGrpSpPr>
-      <p:grpSpPr>
-        <a:xfrm>
-          <a:off x="0" y="0"/>
-          <a:ext cx="0" cy="0"/>
-          <a:chOff x="0" y="0"/>
-          <a:chExt cx="0" cy="0"/>
-        </a:xfrm>
-      </p:grpSpPr>
+      <p:grpSpPr/>
+      <p:sp>
+        <p:nvSpPr>
+          <p:cNvPr id="2" name="Título 1"/>
+          <p:cNvSpPr>
+            <a:spLocks noGrp="1"/>
+          </p:cNvSpPr>
+          <p:nvPr>
+            <p:ph type="title"/>
+          </p:nvPr>
+        </p:nvSpPr>
+        <p:spPr/>
+        <p:txBody>
+          <a:bodyPr/>
+          <a:p>
+            <a:r>
+              <a:rPr lang="es-ES" altLang="en-US">
+                <a:sym typeface="+mn-ea"/>
+              </a:rPr>
+              <a:t>Commands</a:t>
+            </a:r>
+            <a:br>
+              <a:rPr lang="es-ES" altLang="en-US"/>
+            </a:br>
+            <a:endParaRPr lang="es-ES" altLang="en-US"/>
+          </a:p>
+        </p:txBody>
+      </p:sp>
+      <p:sp>
+        <p:nvSpPr>
+          <p:cNvPr id="3" name="Marcador de posición de texto 2"/>
+          <p:cNvSpPr>
+            <a:spLocks noGrp="1"/>
+          </p:cNvSpPr>
+          <p:nvPr>
+            <p:ph type="body" sz="quarter" idx="13"/>
+          </p:nvPr>
+        </p:nvSpPr>
+        <p:spPr/>
+        <p:txBody>
+          <a:bodyPr/>
+          <a:p>
+            <a:r>
+              <a:rPr lang="es-ES" altLang="en-US"/>
+              <a:t>ng-update</a:t>
+            </a:r>
+            <a:endParaRPr lang="es-ES" altLang="en-US"/>
+          </a:p>
+        </p:txBody>
+      </p:sp>
+      <p:sp>
+        <p:nvSpPr>
+          <p:cNvPr id="4" name="Cuadro de texto 3"/>
+          <p:cNvSpPr txBox="1"/>
+          <p:nvPr/>
+        </p:nvSpPr>
+        <p:spPr>
+          <a:xfrm>
+            <a:off x="403860" y="1664335"/>
+            <a:ext cx="4466590" cy="829945"/>
+          </a:xfrm>
+          <a:prstGeom prst="rect">
+            <a:avLst/>
+          </a:prstGeom>
+          <a:noFill/>
+        </p:spPr>
+        <p:txBody>
+          <a:bodyPr wrap="square" rtlCol="0" anchor="t">
+            <a:spAutoFit/>
+          </a:bodyPr>
+          <a:p>
+            <a:r>
+              <a:rPr lang="es-ES" altLang="en-US"/>
+              <a:t>Updates your application and its dependencies</a:t>
+            </a:r>
+            <a:endParaRPr lang="es-ES" altLang="en-US"/>
+          </a:p>
+        </p:txBody>
+      </p:sp>
+      <p:sp>
+        <p:nvSpPr>
+          <p:cNvPr id="5" name="Cuadro de texto 4"/>
+          <p:cNvSpPr txBox="1"/>
+          <p:nvPr/>
+        </p:nvSpPr>
+        <p:spPr>
+          <a:xfrm>
+            <a:off x="416560" y="2515235"/>
+            <a:ext cx="2540000" cy="460375"/>
+          </a:xfrm>
+          <a:prstGeom prst="rect">
+            <a:avLst/>
+          </a:prstGeom>
+          <a:noFill/>
+        </p:spPr>
+        <p:txBody>
+          <a:bodyPr wrap="square" rtlCol="0" anchor="t">
+            <a:spAutoFit/>
+          </a:bodyPr>
+          <a:p>
+            <a:r>
+              <a:rPr lang="es-ES" altLang="en-US"/>
+              <a:t>ng update [options]</a:t>
+            </a:r>
+            <a:endParaRPr lang="es-ES" altLang="en-US"/>
+          </a:p>
+        </p:txBody>
+      </p:sp>
+      <p:pic>
+        <p:nvPicPr>
+          <p:cNvPr id="6" name="Imagen 5"/>
+          <p:cNvPicPr>
+            <a:picLocks noChangeAspect="1"/>
+          </p:cNvPicPr>
+          <p:nvPr/>
+        </p:nvPicPr>
+        <p:blipFill>
+          <a:blip r:embed="rId1"/>
+          <a:stretch>
+            <a:fillRect/>
+          </a:stretch>
+        </p:blipFill>
+        <p:spPr>
+          <a:xfrm>
+            <a:off x="5137785" y="1573530"/>
+            <a:ext cx="6508115" cy="1896110"/>
+          </a:xfrm>
+          <a:prstGeom prst="rect">
+            <a:avLst/>
+          </a:prstGeom>
+        </p:spPr>
+      </p:pic>
+      <p:pic>
+        <p:nvPicPr>
+          <p:cNvPr id="7" name="Imagen 6"/>
+          <p:cNvPicPr>
+            <a:picLocks noChangeAspect="1"/>
+          </p:cNvPicPr>
+          <p:nvPr/>
+        </p:nvPicPr>
+        <p:blipFill>
+          <a:blip r:embed="rId2"/>
+          <a:stretch>
+            <a:fillRect/>
+          </a:stretch>
+        </p:blipFill>
+        <p:spPr>
+          <a:xfrm>
+            <a:off x="5137785" y="3711575"/>
+            <a:ext cx="5654675" cy="1127760"/>
+          </a:xfrm>
+          <a:prstGeom prst="rect">
+            <a:avLst/>
+          </a:prstGeom>
+        </p:spPr>
+      </p:pic>
     </p:spTree>
   </p:cSld>
   <p:clrMapOvr>

--- a/02_angular_cli/02_angular_cli.pptx
+++ b/02_angular_cli/02_angular_cli.pptx
@@ -10,7 +10,7 @@
     <p:notesMasterId r:id="rId16"/>
   </p:notesMasterIdLst>
   <p:sldIdLst>
-    <p:sldId id="314" r:id="rId5"/>
+    <p:sldId id="548" r:id="rId5"/>
     <p:sldId id="485" r:id="rId6"/>
     <p:sldId id="515" r:id="rId7"/>
     <p:sldId id="484" r:id="rId8"/>
@@ -6582,7 +6582,7 @@
         </p:nvSpPr>
         <p:spPr>
           <a:xfrm>
-            <a:off x="7582535" y="4660900"/>
+            <a:off x="4011930" y="4591050"/>
             <a:ext cx="4169410" cy="441960"/>
           </a:xfrm>
           <a:prstGeom prst="rect">
@@ -6752,139 +6752,6 @@
           </a:p>
         </p:txBody>
       </p:sp>
-      <p:sp>
-        <p:nvSpPr>
-          <p:cNvPr id="6" name="2 Marcador de pie de página"/>
-          <p:cNvSpPr txBox="1"/>
-          <p:nvPr/>
-        </p:nvSpPr>
-        <p:spPr>
-          <a:xfrm>
-            <a:off x="4167386" y="4001374"/>
-            <a:ext cx="3857228" cy="363730"/>
-          </a:xfrm>
-          <a:prstGeom prst="rect">
-            <a:avLst/>
-          </a:prstGeom>
-        </p:spPr>
-        <p:txBody>
-          <a:bodyPr vert="horz" lIns="91440" tIns="45720" rIns="91440" bIns="45720" rtlCol="0" anchor="ctr"/>
-          <a:lstStyle>
-            <a:defPPr>
-              <a:defRPr lang="fr-FR"/>
-            </a:defPPr>
-            <a:lvl1pPr marL="0" algn="ctr" defTabSz="1218565" rtl="0" eaLnBrk="1" latinLnBrk="0" hangingPunct="1">
-              <a:defRPr sz="1600" kern="1200">
-                <a:solidFill>
-                  <a:schemeClr val="tx1">
-                    <a:tint val="75000"/>
-                  </a:schemeClr>
-                </a:solidFill>
-                <a:latin typeface="+mn-lt"/>
-                <a:ea typeface="+mn-ea"/>
-                <a:cs typeface="+mn-cs"/>
-              </a:defRPr>
-            </a:lvl1pPr>
-            <a:lvl2pPr marL="609600" algn="l" defTabSz="1218565" rtl="0" eaLnBrk="1" latinLnBrk="0" hangingPunct="1">
-              <a:defRPr sz="2400" kern="1200">
-                <a:solidFill>
-                  <a:schemeClr val="tx1"/>
-                </a:solidFill>
-                <a:latin typeface="+mn-lt"/>
-                <a:ea typeface="+mn-ea"/>
-                <a:cs typeface="+mn-cs"/>
-              </a:defRPr>
-            </a:lvl2pPr>
-            <a:lvl3pPr marL="1218565" algn="l" defTabSz="1218565" rtl="0" eaLnBrk="1" latinLnBrk="0" hangingPunct="1">
-              <a:defRPr sz="2400" kern="1200">
-                <a:solidFill>
-                  <a:schemeClr val="tx1"/>
-                </a:solidFill>
-                <a:latin typeface="+mn-lt"/>
-                <a:ea typeface="+mn-ea"/>
-                <a:cs typeface="+mn-cs"/>
-              </a:defRPr>
-            </a:lvl3pPr>
-            <a:lvl4pPr marL="1828165" algn="l" defTabSz="1218565" rtl="0" eaLnBrk="1" latinLnBrk="0" hangingPunct="1">
-              <a:defRPr sz="2400" kern="1200">
-                <a:solidFill>
-                  <a:schemeClr val="tx1"/>
-                </a:solidFill>
-                <a:latin typeface="+mn-lt"/>
-                <a:ea typeface="+mn-ea"/>
-                <a:cs typeface="+mn-cs"/>
-              </a:defRPr>
-            </a:lvl4pPr>
-            <a:lvl5pPr marL="2437130" algn="l" defTabSz="1218565" rtl="0" eaLnBrk="1" latinLnBrk="0" hangingPunct="1">
-              <a:defRPr sz="2400" kern="1200">
-                <a:solidFill>
-                  <a:schemeClr val="tx1"/>
-                </a:solidFill>
-                <a:latin typeface="+mn-lt"/>
-                <a:ea typeface="+mn-ea"/>
-                <a:cs typeface="+mn-cs"/>
-              </a:defRPr>
-            </a:lvl5pPr>
-            <a:lvl6pPr marL="3046730" algn="l" defTabSz="1218565" rtl="0" eaLnBrk="1" latinLnBrk="0" hangingPunct="1">
-              <a:defRPr sz="2400" kern="1200">
-                <a:solidFill>
-                  <a:schemeClr val="tx1"/>
-                </a:solidFill>
-                <a:latin typeface="+mn-lt"/>
-                <a:ea typeface="+mn-ea"/>
-                <a:cs typeface="+mn-cs"/>
-              </a:defRPr>
-            </a:lvl6pPr>
-            <a:lvl7pPr marL="3656330" algn="l" defTabSz="1218565" rtl="0" eaLnBrk="1" latinLnBrk="0" hangingPunct="1">
-              <a:defRPr sz="2400" kern="1200">
-                <a:solidFill>
-                  <a:schemeClr val="tx1"/>
-                </a:solidFill>
-                <a:latin typeface="+mn-lt"/>
-                <a:ea typeface="+mn-ea"/>
-                <a:cs typeface="+mn-cs"/>
-              </a:defRPr>
-            </a:lvl7pPr>
-            <a:lvl8pPr marL="4265295" algn="l" defTabSz="1218565" rtl="0" eaLnBrk="1" latinLnBrk="0" hangingPunct="1">
-              <a:defRPr sz="2400" kern="1200">
-                <a:solidFill>
-                  <a:schemeClr val="tx1"/>
-                </a:solidFill>
-                <a:latin typeface="+mn-lt"/>
-                <a:ea typeface="+mn-ea"/>
-                <a:cs typeface="+mn-cs"/>
-              </a:defRPr>
-            </a:lvl8pPr>
-            <a:lvl9pPr marL="4874895" algn="l" defTabSz="1218565" rtl="0" eaLnBrk="1" latinLnBrk="0" hangingPunct="1">
-              <a:defRPr sz="2400" kern="1200">
-                <a:solidFill>
-                  <a:schemeClr val="tx1"/>
-                </a:solidFill>
-                <a:latin typeface="+mn-lt"/>
-                <a:ea typeface="+mn-ea"/>
-                <a:cs typeface="+mn-cs"/>
-              </a:defRPr>
-            </a:lvl9pPr>
-          </a:lstStyle>
-          <a:p>
-            <a:pPr>
-              <a:lnSpc>
-                <a:spcPct val="150000"/>
-              </a:lnSpc>
-            </a:pPr>
-            <a:endParaRPr lang="es-ES" sz="1865" b="1" dirty="0">
-              <a:solidFill>
-                <a:schemeClr val="accent1">
-                  <a:lumMod val="20000"/>
-                  <a:lumOff val="80000"/>
-                </a:schemeClr>
-              </a:solidFill>
-              <a:latin typeface="Roboto Light" panose="02000000000000000000" pitchFamily="2" charset="0"/>
-              <a:ea typeface="Roboto Light" panose="02000000000000000000" pitchFamily="2" charset="0"/>
-            </a:endParaRPr>
-          </a:p>
-        </p:txBody>
-      </p:sp>
     </p:spTree>
   </p:cSld>
   <p:clrMapOvr>
@@ -8171,8 +8038,9 @@
                 <a:solidFill>
                   <a:schemeClr val="bg1"/>
                 </a:solidFill>
+                <a:sym typeface="+mn-ea"/>
               </a:rPr>
-              <a:t>Flow Events</a:t>
+              <a:t>Reactive Programming</a:t>
             </a:r>
             <a:endParaRPr lang="en-US">
               <a:solidFill>

--- a/02_angular_cli/02_angular_cli.pptx
+++ b/02_angular_cli/02_angular_cli.pptx
@@ -23,14 +23,13 @@
     <p:sldId id="520" r:id="rId15"/>
     <p:sldId id="521" r:id="rId17"/>
     <p:sldId id="524" r:id="rId18"/>
-    <p:sldId id="525" r:id="rId19"/>
-    <p:sldId id="528" r:id="rId20"/>
-    <p:sldId id="526" r:id="rId21"/>
-    <p:sldId id="529" r:id="rId22"/>
-    <p:sldId id="530" r:id="rId23"/>
-    <p:sldId id="532" r:id="rId24"/>
-    <p:sldId id="472" r:id="rId25"/>
-    <p:sldId id="464" r:id="rId26"/>
+    <p:sldId id="528" r:id="rId19"/>
+    <p:sldId id="526" r:id="rId20"/>
+    <p:sldId id="529" r:id="rId21"/>
+    <p:sldId id="530" r:id="rId22"/>
+    <p:sldId id="532" r:id="rId23"/>
+    <p:sldId id="569" r:id="rId24"/>
+    <p:sldId id="464" r:id="rId25"/>
   </p:sldIdLst>
   <p:sldSz cx="12192000" cy="6858000"/>
   <p:notesSz cx="6858000" cy="9144000"/>
@@ -6784,6 +6783,12 @@
         <p:txBody>
           <a:bodyPr/>
           <a:p>
+            <a:r>
+              <a:rPr lang="es-ES" altLang="en-US">
+                <a:sym typeface="+mn-ea"/>
+              </a:rPr>
+              <a:t>Commands</a:t>
+            </a:r>
             <a:endParaRPr lang="es-ES" altLang="en-US"/>
           </a:p>
         </p:txBody>
@@ -6802,6 +6807,10 @@
         <p:txBody>
           <a:bodyPr/>
           <a:p>
+            <a:r>
+              <a:rPr lang="es-ES" altLang="en-US"/>
+              <a:t>Exercise</a:t>
+            </a:r>
             <a:endParaRPr lang="es-ES" altLang="en-US"/>
           </a:p>
         </p:txBody>
@@ -6814,7 +6823,7 @@
         </p:nvSpPr>
         <p:spPr>
           <a:xfrm>
-            <a:off x="2276475" y="2494280"/>
+            <a:off x="244475" y="1600835"/>
             <a:ext cx="6844030" cy="460375"/>
           </a:xfrm>
           <a:prstGeom prst="rect">
@@ -6829,7 +6838,102 @@
           <a:p>
             <a:r>
               <a:rPr lang="es-ES" altLang="en-US"/>
-              <a:t>Ejercio comandos</a:t>
+              <a:t>Getting Familiar with Angular commands</a:t>
+            </a:r>
+            <a:endParaRPr lang="es-ES" altLang="en-US"/>
+          </a:p>
+        </p:txBody>
+      </p:sp>
+      <p:sp>
+        <p:nvSpPr>
+          <p:cNvPr id="5" name="Cuadro de texto 4"/>
+          <p:cNvSpPr txBox="1"/>
+          <p:nvPr/>
+        </p:nvSpPr>
+        <p:spPr>
+          <a:xfrm>
+            <a:off x="924560" y="2354580"/>
+            <a:ext cx="9852025" cy="1568450"/>
+          </a:xfrm>
+          <a:prstGeom prst="rect">
+            <a:avLst/>
+          </a:prstGeom>
+          <a:noFill/>
+        </p:spPr>
+        <p:txBody>
+          <a:bodyPr wrap="square" rtlCol="0">
+            <a:spAutoFit/>
+          </a:bodyPr>
+          <a:p>
+            <a:pPr marL="342900" indent="-342900">
+              <a:buFont typeface="Arial" panose="020B0604020202020204" pitchFamily="34" charset="0"/>
+              <a:buChar char="•"/>
+            </a:pPr>
+            <a:r>
+              <a:rPr lang="es-ES" altLang="en-US"/>
+              <a:t>Generate new workpace- Skip</a:t>
+            </a:r>
+            <a:endParaRPr lang="es-ES" altLang="en-US"/>
+          </a:p>
+          <a:p>
+            <a:pPr marL="342900" indent="-342900">
+              <a:buFont typeface="Arial" panose="020B0604020202020204" pitchFamily="34" charset="0"/>
+              <a:buChar char="•"/>
+            </a:pPr>
+            <a:r>
+              <a:rPr lang="es-ES" altLang="en-US"/>
+              <a:t>Add new component</a:t>
+            </a:r>
+            <a:endParaRPr lang="es-ES" altLang="en-US"/>
+          </a:p>
+          <a:p>
+            <a:pPr marL="342900" indent="-342900">
+              <a:buFont typeface="Arial" panose="020B0604020202020204" pitchFamily="34" charset="0"/>
+              <a:buChar char="•"/>
+            </a:pPr>
+            <a:r>
+              <a:rPr lang="es-ES" altLang="en-US"/>
+              <a:t>Add new module</a:t>
+            </a:r>
+            <a:endParaRPr lang="es-ES" altLang="en-US"/>
+          </a:p>
+          <a:p>
+            <a:pPr marL="342900" indent="-342900">
+              <a:buFont typeface="Arial" panose="020B0604020202020204" pitchFamily="34" charset="0"/>
+              <a:buChar char="•"/>
+            </a:pPr>
+            <a:r>
+              <a:rPr lang="es-ES" altLang="en-US"/>
+              <a:t>Add new component to last module</a:t>
+            </a:r>
+            <a:endParaRPr lang="es-ES" altLang="en-US"/>
+          </a:p>
+        </p:txBody>
+      </p:sp>
+      <p:sp>
+        <p:nvSpPr>
+          <p:cNvPr id="12" name="Cuadro de texto 11"/>
+          <p:cNvSpPr txBox="1"/>
+          <p:nvPr/>
+        </p:nvSpPr>
+        <p:spPr>
+          <a:xfrm>
+            <a:off x="924560" y="5003800"/>
+            <a:ext cx="8446135" cy="829945"/>
+          </a:xfrm>
+          <a:prstGeom prst="rect">
+            <a:avLst/>
+          </a:prstGeom>
+          <a:noFill/>
+        </p:spPr>
+        <p:txBody>
+          <a:bodyPr wrap="square" rtlCol="0" anchor="t">
+            <a:spAutoFit/>
+          </a:bodyPr>
+          <a:p>
+            <a:r>
+              <a:rPr lang="es-ES" altLang="en-US"/>
+              <a:t>git clone https://github.com/rached193/AngularWorkshop-20181116/tree/master/02_angular_cli/comandos</a:t>
             </a:r>
             <a:endParaRPr lang="es-ES" altLang="en-US"/>
           </a:p>
@@ -7104,7 +7208,7 @@
         </p:blipFill>
         <p:spPr>
           <a:xfrm>
-            <a:off x="3780155" y="3180715"/>
+            <a:off x="6010275" y="2169795"/>
             <a:ext cx="5253355" cy="1118870"/>
           </a:xfrm>
           <a:prstGeom prst="rect">
@@ -7135,12 +7239,77 @@
           <a:p>
             <a:r>
               <a:rPr lang="es-ES" altLang="en-US"/>
-              <a:t>Migracion</a:t>
+              <a:t>Angular ^6.*</a:t>
             </a:r>
             <a:endParaRPr lang="es-ES" altLang="en-US"/>
           </a:p>
           <a:p>
             <a:endParaRPr lang="es-ES" altLang="en-US"/>
+          </a:p>
+        </p:txBody>
+      </p:sp>
+      <p:pic>
+        <p:nvPicPr>
+          <p:cNvPr id="6" name="Imagen 5"/>
+          <p:cNvPicPr>
+            <a:picLocks noChangeAspect="1"/>
+          </p:cNvPicPr>
+          <p:nvPr/>
+        </p:nvPicPr>
+        <p:blipFill>
+          <a:blip r:embed="rId2"/>
+          <a:stretch>
+            <a:fillRect/>
+          </a:stretch>
+        </p:blipFill>
+        <p:spPr>
+          <a:xfrm>
+            <a:off x="2053590" y="4796155"/>
+            <a:ext cx="7080885" cy="1122045"/>
+          </a:xfrm>
+          <a:prstGeom prst="rect">
+            <a:avLst/>
+          </a:prstGeom>
+        </p:spPr>
+      </p:pic>
+      <p:sp>
+        <p:nvSpPr>
+          <p:cNvPr id="10" name="Cuadro de texto 9"/>
+          <p:cNvSpPr txBox="1"/>
+          <p:nvPr/>
+        </p:nvSpPr>
+        <p:spPr>
+          <a:xfrm>
+            <a:off x="459105" y="2546985"/>
+            <a:ext cx="4124960" cy="829945"/>
+          </a:xfrm>
+          <a:prstGeom prst="rect">
+            <a:avLst/>
+          </a:prstGeom>
+          <a:noFill/>
+        </p:spPr>
+        <p:txBody>
+          <a:bodyPr wrap="square" rtlCol="0">
+            <a:spAutoFit/>
+          </a:bodyPr>
+          <a:p>
+            <a:r>
+              <a:rPr lang="es-ES" altLang="en-US">
+                <a:solidFill>
+                  <a:schemeClr val="bg1">
+                    <a:lumMod val="65000"/>
+                  </a:schemeClr>
+                </a:solidFill>
+              </a:rPr>
+              <a:t>Migration Angular 5 to Angular 6</a:t>
+            </a:r>
+            <a:endParaRPr lang="es-ES" altLang="en-US">
+              <a:solidFill>
+                <a:schemeClr val="bg1">
+                  <a:lumMod val="65000"/>
+                </a:schemeClr>
+              </a:solidFill>
+            </a:endParaRPr>
           </a:p>
         </p:txBody>
       </p:sp>
@@ -7416,7 +7585,7 @@
               <a:rPr lang="es-ES" altLang="en-US">
                 <a:sym typeface="+mn-ea"/>
               </a:rPr>
-              <a:t>Angular CLI</a:t>
+              <a:t>Commands</a:t>
             </a:r>
             <a:br>
               <a:rPr lang="es-ES" altLang="en-US"/>
@@ -7440,10 +7609,66 @@
           <a:bodyPr/>
           <a:p>
             <a:r>
-              <a:rPr lang="es-ES" altLang="en-US">
-                <a:sym typeface="+mn-ea"/>
-              </a:rPr>
-              <a:t>angular.json</a:t>
+              <a:rPr lang="es-ES" altLang="en-US"/>
+              <a:t>ng build</a:t>
+            </a:r>
+            <a:endParaRPr lang="es-ES" altLang="en-US"/>
+          </a:p>
+        </p:txBody>
+      </p:sp>
+      <p:sp>
+        <p:nvSpPr>
+          <p:cNvPr id="4" name="Cuadro de texto 3"/>
+          <p:cNvSpPr txBox="1"/>
+          <p:nvPr/>
+        </p:nvSpPr>
+        <p:spPr>
+          <a:xfrm>
+            <a:off x="435610" y="1612265"/>
+            <a:ext cx="7240270" cy="1198880"/>
+          </a:xfrm>
+          <a:prstGeom prst="rect">
+            <a:avLst/>
+          </a:prstGeom>
+          <a:noFill/>
+        </p:spPr>
+        <p:txBody>
+          <a:bodyPr wrap="square" rtlCol="0" anchor="t">
+            <a:spAutoFit/>
+          </a:bodyPr>
+          <a:p>
+            <a:r>
+              <a:rPr lang="es-ES" altLang="en-US"/>
+              <a:t>Compiles an Angular app into an output directory named dist/ at the given output path. Must be executed from within a workspace directory.</a:t>
+            </a:r>
+            <a:endParaRPr lang="es-ES" altLang="en-US"/>
+          </a:p>
+        </p:txBody>
+      </p:sp>
+      <p:sp>
+        <p:nvSpPr>
+          <p:cNvPr id="5" name="Cuadro de texto 4"/>
+          <p:cNvSpPr txBox="1"/>
+          <p:nvPr/>
+        </p:nvSpPr>
+        <p:spPr>
+          <a:xfrm>
+            <a:off x="435610" y="3143885"/>
+            <a:ext cx="7239635" cy="829945"/>
+          </a:xfrm>
+          <a:prstGeom prst="rect">
+            <a:avLst/>
+          </a:prstGeom>
+          <a:noFill/>
+        </p:spPr>
+        <p:txBody>
+          <a:bodyPr wrap="square" rtlCol="0" anchor="t">
+            <a:spAutoFit/>
+          </a:bodyPr>
+          <a:p>
+            <a:r>
+              <a:rPr lang="es-ES" altLang="en-US"/>
+              <a:t>Uses the Webpack build tool, with environment and build options specified in the CLI configuration file.</a:t>
             </a:r>
             <a:endParaRPr lang="es-ES" altLang="en-US"/>
           </a:p>
@@ -7457,8 +7682,8 @@
         </p:nvSpPr>
         <p:spPr>
           <a:xfrm>
-            <a:off x="299085" y="1818005"/>
-            <a:ext cx="6003290" cy="460375"/>
+            <a:off x="372110" y="4866005"/>
+            <a:ext cx="8164830" cy="460375"/>
           </a:xfrm>
           <a:prstGeom prst="rect">
             <a:avLst/>
@@ -7466,13 +7691,13 @@
           <a:noFill/>
         </p:spPr>
         <p:txBody>
-          <a:bodyPr wrap="square" rtlCol="0">
+          <a:bodyPr wrap="square" rtlCol="0" anchor="t">
             <a:spAutoFit/>
           </a:bodyPr>
           <a:p>
             <a:r>
               <a:rPr lang="es-ES" altLang="en-US"/>
-              <a:t>Multiples proyectos??</a:t>
+              <a:t>https://github.com/angular/angular-cli/wiki/build</a:t>
             </a:r>
             <a:endParaRPr lang="es-ES" altLang="en-US"/>
           </a:p>
@@ -7514,11 +7739,8 @@
               <a:rPr lang="es-ES" altLang="en-US">
                 <a:sym typeface="+mn-ea"/>
               </a:rPr>
-              <a:t>Commands</a:t>
-            </a:r>
-            <a:br>
-              <a:rPr lang="es-ES" altLang="en-US"/>
-            </a:br>
+              <a:t>angular.json</a:t>
+            </a:r>
             <a:endParaRPr lang="es-ES" altLang="en-US"/>
           </a:p>
         </p:txBody>
@@ -7539,7 +7761,7 @@
           <a:p>
             <a:r>
               <a:rPr lang="es-ES" altLang="en-US"/>
-              <a:t>ng build</a:t>
+              <a:t>Exercise</a:t>
             </a:r>
             <a:endParaRPr lang="es-ES" altLang="en-US"/>
           </a:p>
@@ -7547,14 +7769,14 @@
       </p:sp>
       <p:sp>
         <p:nvSpPr>
-          <p:cNvPr id="4" name="Cuadro de texto 3"/>
+          <p:cNvPr id="11" name="Cuadro de texto 10"/>
           <p:cNvSpPr txBox="1"/>
           <p:nvPr/>
         </p:nvSpPr>
         <p:spPr>
           <a:xfrm>
-            <a:off x="435610" y="1612265"/>
-            <a:ext cx="7240270" cy="1198880"/>
+            <a:off x="299085" y="1664970"/>
+            <a:ext cx="3858895" cy="460375"/>
           </a:xfrm>
           <a:prstGeom prst="rect">
             <a:avLst/>
@@ -7562,15 +7784,15 @@
           <a:noFill/>
         </p:spPr>
         <p:txBody>
-          <a:bodyPr wrap="square" rtlCol="0" anchor="t">
+          <a:bodyPr wrap="square" rtlCol="0">
             <a:spAutoFit/>
           </a:bodyPr>
           <a:p>
             <a:r>
-              <a:rPr lang="es-ES" altLang="en-US"/>
-              <a:t>Compiles an Angular app into an output directory named dist/ at the given output path. Must be executed from within a workspace directory.</a:t>
-            </a:r>
-            <a:endParaRPr lang="es-ES" altLang="en-US"/>
+              <a:rPr lang="es-ES" altLang="en-US" b="1"/>
+              <a:t>Configure angular.json</a:t>
+            </a:r>
+            <a:endParaRPr lang="es-ES" altLang="en-US" b="1"/>
           </a:p>
         </p:txBody>
       </p:sp>
@@ -7582,8 +7804,8 @@
         </p:nvSpPr>
         <p:spPr>
           <a:xfrm>
-            <a:off x="435610" y="3143885"/>
-            <a:ext cx="7239635" cy="829945"/>
+            <a:off x="1645920" y="2520950"/>
+            <a:ext cx="8900160" cy="1938020"/>
           </a:xfrm>
           <a:prstGeom prst="rect">
             <a:avLst/>
@@ -7591,14 +7813,64 @@
           <a:noFill/>
         </p:spPr>
         <p:txBody>
-          <a:bodyPr wrap="square" rtlCol="0" anchor="t">
+          <a:bodyPr wrap="square" rtlCol="0">
             <a:spAutoFit/>
           </a:bodyPr>
           <a:p>
+            <a:pPr marL="342900" indent="-342900">
+              <a:buFont typeface="Arial" panose="020B0604020202020204" pitchFamily="34" charset="0"/>
+              <a:buChar char="•"/>
+            </a:pPr>
             <a:r>
               <a:rPr lang="es-ES" altLang="en-US"/>
-              <a:t>Uses the Webpack build tool, with environment and build options specified in the CLI configuration file.</a:t>
-            </a:r>
+              <a:t>Change ouput dist</a:t>
+            </a:r>
+            <a:endParaRPr lang="es-ES" altLang="en-US"/>
+          </a:p>
+          <a:p>
+            <a:pPr marL="342900" indent="-342900">
+              <a:buFont typeface="Arial" panose="020B0604020202020204" pitchFamily="34" charset="0"/>
+              <a:buChar char="•"/>
+            </a:pPr>
+            <a:r>
+              <a:rPr lang="es-ES" altLang="en-US"/>
+              <a:t>Add new asset</a:t>
+            </a:r>
+            <a:endParaRPr lang="es-ES" altLang="en-US"/>
+          </a:p>
+          <a:p>
+            <a:pPr marL="342900" indent="-342900">
+              <a:buFont typeface="Arial" panose="020B0604020202020204" pitchFamily="34" charset="0"/>
+              <a:buChar char="•"/>
+            </a:pPr>
+            <a:r>
+              <a:rPr lang="es-ES" altLang="en-US">
+                <a:sym typeface="+mn-ea"/>
+              </a:rPr>
+              <a:t>Add new enviroment</a:t>
+            </a:r>
+            <a:endParaRPr lang="es-ES" altLang="en-US">
+              <a:sym typeface="+mn-ea"/>
+            </a:endParaRPr>
+          </a:p>
+          <a:p>
+            <a:pPr marL="342900" indent="-342900">
+              <a:buFont typeface="Arial" panose="020B0604020202020204" pitchFamily="34" charset="0"/>
+              <a:buChar char="•"/>
+            </a:pPr>
+            <a:r>
+              <a:rPr lang="es-ES" altLang="en-US">
+                <a:sym typeface="+mn-ea"/>
+              </a:rPr>
+              <a:t>Add new build options</a:t>
+            </a:r>
+            <a:endParaRPr lang="es-ES" altLang="en-US"/>
+          </a:p>
+          <a:p>
+            <a:pPr marL="342900" indent="-342900">
+              <a:buFont typeface="Arial" panose="020B0604020202020204" pitchFamily="34" charset="0"/>
+              <a:buChar char="•"/>
+            </a:pPr>
             <a:endParaRPr lang="es-ES" altLang="en-US"/>
           </a:p>
         </p:txBody>
@@ -7636,10 +7908,8 @@
           <a:bodyPr/>
           <a:p>
             <a:r>
-              <a:rPr lang="es-ES" altLang="en-US">
-                <a:sym typeface="+mn-ea"/>
-              </a:rPr>
-              <a:t>Angular CLI</a:t>
+              <a:rPr lang="es-ES" altLang="en-US"/>
+              <a:t>Npm</a:t>
             </a:r>
             <a:endParaRPr lang="es-ES" altLang="en-US"/>
           </a:p>
@@ -7659,6 +7929,10 @@
         <p:txBody>
           <a:bodyPr/>
           <a:p>
+            <a:r>
+              <a:rPr lang="es-ES" altLang="en-US"/>
+              <a:t>What is</a:t>
+            </a:r>
             <a:endParaRPr lang="es-ES" altLang="en-US"/>
           </a:p>
         </p:txBody>
@@ -7671,8 +7945,8 @@
         </p:nvSpPr>
         <p:spPr>
           <a:xfrm>
-            <a:off x="299085" y="2044700"/>
-            <a:ext cx="8434705" cy="460375"/>
+            <a:off x="490220" y="1429385"/>
+            <a:ext cx="6238240" cy="1568450"/>
           </a:xfrm>
           <a:prstGeom prst="rect">
             <a:avLst/>
@@ -7680,18 +7954,66 @@
           <a:noFill/>
         </p:spPr>
         <p:txBody>
-          <a:bodyPr wrap="square" rtlCol="0">
+          <a:bodyPr wrap="square" rtlCol="0" anchor="t">
             <a:spAutoFit/>
           </a:bodyPr>
           <a:p>
             <a:r>
               <a:rPr lang="es-ES" altLang="en-US"/>
-              <a:t>Ejercicio Enviroments</a:t>
+              <a:t>npm is the package manager for JavaScript and the world’s largest software registry. Discover packages of reusable code — and assemble them in powerful new ways.</a:t>
             </a:r>
             <a:endParaRPr lang="es-ES" altLang="en-US"/>
           </a:p>
         </p:txBody>
       </p:sp>
+      <p:pic>
+        <p:nvPicPr>
+          <p:cNvPr id="5" name="Imagen 4" descr="npm"/>
+          <p:cNvPicPr>
+            <a:picLocks noChangeAspect="1"/>
+          </p:cNvPicPr>
+          <p:nvPr/>
+        </p:nvPicPr>
+        <p:blipFill>
+          <a:blip r:embed="rId1"/>
+          <a:stretch>
+            <a:fillRect/>
+          </a:stretch>
+        </p:blipFill>
+        <p:spPr>
+          <a:xfrm>
+            <a:off x="7663815" y="1950085"/>
+            <a:ext cx="3439160" cy="3439160"/>
+          </a:xfrm>
+          <a:prstGeom prst="rect">
+            <a:avLst/>
+          </a:prstGeom>
+        </p:spPr>
+      </p:pic>
+      <p:pic>
+        <p:nvPicPr>
+          <p:cNvPr id="6" name="Imagen 5" descr="npm_enterprise"/>
+          <p:cNvPicPr>
+            <a:picLocks noChangeAspect="1"/>
+          </p:cNvPicPr>
+          <p:nvPr/>
+        </p:nvPicPr>
+        <p:blipFill>
+          <a:blip r:embed="rId2"/>
+          <a:stretch>
+            <a:fillRect/>
+          </a:stretch>
+        </p:blipFill>
+        <p:spPr>
+          <a:xfrm>
+            <a:off x="844550" y="3228975"/>
+            <a:ext cx="5529580" cy="3239770"/>
+          </a:xfrm>
+          <a:prstGeom prst="rect">
+            <a:avLst/>
+          </a:prstGeom>
+        </p:spPr>
+      </p:pic>
     </p:spTree>
   </p:cSld>
   <p:clrMapOvr>
@@ -7748,12 +8070,65 @@
           <a:p>
             <a:r>
               <a:rPr lang="es-ES" altLang="en-US"/>
-              <a:t>What is</a:t>
+              <a:t>Task-Runner</a:t>
             </a:r>
             <a:endParaRPr lang="es-ES" altLang="en-US"/>
           </a:p>
         </p:txBody>
       </p:sp>
+      <p:sp>
+        <p:nvSpPr>
+          <p:cNvPr id="4" name="Cuadro de texto 3"/>
+          <p:cNvSpPr txBox="1"/>
+          <p:nvPr/>
+        </p:nvSpPr>
+        <p:spPr>
+          <a:xfrm>
+            <a:off x="299085" y="1586230"/>
+            <a:ext cx="10139680" cy="829945"/>
+          </a:xfrm>
+          <a:prstGeom prst="rect">
+            <a:avLst/>
+          </a:prstGeom>
+          <a:noFill/>
+        </p:spPr>
+        <p:txBody>
+          <a:bodyPr wrap="square" rtlCol="0" anchor="t">
+            <a:spAutoFit/>
+          </a:bodyPr>
+          <a:p>
+            <a:r>
+              <a:rPr lang="es-ES" altLang="en-US"/>
+              <a:t>A task runner is exactly what it sounds like, a program that can execute tasks based on specific criteria. </a:t>
+            </a:r>
+            <a:endParaRPr lang="es-ES" altLang="en-US"/>
+          </a:p>
+        </p:txBody>
+      </p:sp>
+      <p:pic>
+        <p:nvPicPr>
+          <p:cNvPr id="6" name="Imagen 5"/>
+          <p:cNvPicPr>
+            <a:picLocks noChangeAspect="1"/>
+          </p:cNvPicPr>
+          <p:nvPr/>
+        </p:nvPicPr>
+        <p:blipFill>
+          <a:blip r:embed="rId1"/>
+          <a:stretch>
+            <a:fillRect/>
+          </a:stretch>
+        </p:blipFill>
+        <p:spPr>
+          <a:xfrm>
+            <a:off x="1224915" y="2738755"/>
+            <a:ext cx="8914130" cy="2835910"/>
+          </a:xfrm>
+          <a:prstGeom prst="rect">
+            <a:avLst/>
+          </a:prstGeom>
+        </p:spPr>
+      </p:pic>
     </p:spTree>
   </p:cSld>
   <p:clrMapOvr>
@@ -7788,7 +8163,7 @@
           <a:p>
             <a:r>
               <a:rPr lang="es-ES" altLang="en-US"/>
-              <a:t>Npm</a:t>
+              <a:t>Angular-CLI</a:t>
             </a:r>
             <a:endParaRPr lang="es-ES" altLang="en-US"/>
           </a:p>
@@ -7810,9 +8185,74 @@
           <a:p>
             <a:r>
               <a:rPr lang="es-ES" altLang="en-US"/>
-              <a:t>Task-Runner</a:t>
+              <a:t>Workshop</a:t>
             </a:r>
             <a:endParaRPr lang="es-ES" altLang="en-US"/>
+          </a:p>
+        </p:txBody>
+      </p:sp>
+      <p:sp>
+        <p:nvSpPr>
+          <p:cNvPr id="7" name="Cuadro de texto 6"/>
+          <p:cNvSpPr txBox="1"/>
+          <p:nvPr/>
+        </p:nvSpPr>
+        <p:spPr>
+          <a:xfrm>
+            <a:off x="1166495" y="2461895"/>
+            <a:ext cx="4979670" cy="829945"/>
+          </a:xfrm>
+          <a:prstGeom prst="rect">
+            <a:avLst/>
+          </a:prstGeom>
+          <a:noFill/>
+        </p:spPr>
+        <p:txBody>
+          <a:bodyPr wrap="square" rtlCol="0" anchor="t">
+            <a:spAutoFit/>
+          </a:bodyPr>
+          <a:p>
+            <a:r>
+              <a:rPr lang="es-ES" altLang="en-US"/>
+              <a:t>ng generate libraty [name]</a:t>
+            </a:r>
+            <a:endParaRPr lang="es-ES" altLang="en-US"/>
+          </a:p>
+          <a:p>
+            <a:r>
+              <a:rPr lang="es-ES" altLang="en-US"/>
+              <a:t>add to paths in tsconfig.json</a:t>
+            </a:r>
+            <a:endParaRPr lang="es-ES" altLang="en-US"/>
+          </a:p>
+        </p:txBody>
+      </p:sp>
+      <p:sp>
+        <p:nvSpPr>
+          <p:cNvPr id="11" name="Cuadro de texto 10"/>
+          <p:cNvSpPr txBox="1"/>
+          <p:nvPr/>
+        </p:nvSpPr>
+        <p:spPr>
+          <a:xfrm>
+            <a:off x="299085" y="1664970"/>
+            <a:ext cx="3858895" cy="460375"/>
+          </a:xfrm>
+          <a:prstGeom prst="rect">
+            <a:avLst/>
+          </a:prstGeom>
+          <a:noFill/>
+        </p:spPr>
+        <p:txBody>
+          <a:bodyPr wrap="square" rtlCol="0">
+            <a:spAutoFit/>
+          </a:bodyPr>
+          <a:p>
+            <a:r>
+              <a:rPr lang="es-ES" altLang="en-US" b="1"/>
+              <a:t>Generate library</a:t>
+            </a:r>
+            <a:endParaRPr lang="es-ES" altLang="en-US" b="1"/>
           </a:p>
         </p:txBody>
       </p:sp>
@@ -7827,59 +8267,370 @@
 <file path=ppt/slides/slide19.xml><?xml version="1.0" encoding="utf-8"?>
 <p:sld xmlns:a="http://schemas.openxmlformats.org/drawingml/2006/main" xmlns:r="http://schemas.openxmlformats.org/officeDocument/2006/relationships" xmlns:p="http://schemas.openxmlformats.org/presentationml/2006/main">
   <p:cSld>
+    <p:bg>
+      <p:bgPr>
+        <a:solidFill>
+          <a:schemeClr val="tx2">
+            <a:lumMod val="75000"/>
+          </a:schemeClr>
+        </a:solidFill>
+        <a:effectLst/>
+      </p:bgPr>
+    </p:bg>
     <p:spTree>
       <p:nvGrpSpPr>
         <p:cNvPr id="1" name=""/>
         <p:cNvGrpSpPr/>
         <p:nvPr/>
       </p:nvGrpSpPr>
-      <p:grpSpPr/>
-      <p:sp>
-        <p:nvSpPr>
-          <p:cNvPr id="2" name="Título 1"/>
-          <p:cNvSpPr>
-            <a:spLocks noGrp="1"/>
-          </p:cNvSpPr>
-          <p:nvPr>
-            <p:ph type="title"/>
-          </p:nvPr>
-        </p:nvSpPr>
-        <p:spPr/>
-        <p:txBody>
-          <a:bodyPr/>
-          <a:p>
-            <a:endParaRPr lang="es-ES" altLang="en-US"/>
-          </a:p>
-        </p:txBody>
-      </p:sp>
-      <p:sp>
-        <p:nvSpPr>
-          <p:cNvPr id="3" name="Marcador de posición de texto 2"/>
-          <p:cNvSpPr>
-            <a:spLocks noGrp="1"/>
-          </p:cNvSpPr>
-          <p:nvPr>
-            <p:ph type="body" sz="quarter" idx="13"/>
-          </p:nvPr>
-        </p:nvSpPr>
-        <p:spPr/>
-        <p:txBody>
-          <a:bodyPr/>
-          <a:p>
-            <a:endParaRPr lang="es-ES" altLang="en-US"/>
-          </a:p>
-        </p:txBody>
-      </p:sp>
-      <p:sp>
-        <p:nvSpPr>
-          <p:cNvPr id="4" name="Cuadro de texto 3"/>
+      <p:grpSpPr>
+        <a:xfrm>
+          <a:off x="0" y="0"/>
+          <a:ext cx="0" cy="0"/>
+          <a:chOff x="0" y="0"/>
+          <a:chExt cx="0" cy="0"/>
+        </a:xfrm>
+      </p:grpSpPr>
+      <p:sp>
+        <p:nvSpPr>
+          <p:cNvPr id="2" name="Flecha: pentágono 1"/>
+          <p:cNvSpPr/>
+          <p:nvPr/>
+        </p:nvSpPr>
+        <p:spPr>
+          <a:xfrm flipH="1">
+            <a:off x="4405719" y="-3"/>
+            <a:ext cx="7794640" cy="6866337"/>
+          </a:xfrm>
+          <a:custGeom>
+            <a:avLst/>
+            <a:gdLst>
+              <a:gd name="connsiteX0" fmla="*/ 0 w 6300191"/>
+              <a:gd name="connsiteY0" fmla="*/ 0 h 6046436"/>
+              <a:gd name="connsiteX1" fmla="*/ 3977513 w 6300191"/>
+              <a:gd name="connsiteY1" fmla="*/ 0 h 6046436"/>
+              <a:gd name="connsiteX2" fmla="*/ 6300191 w 6300191"/>
+              <a:gd name="connsiteY2" fmla="*/ 3023218 h 6046436"/>
+              <a:gd name="connsiteX3" fmla="*/ 3977513 w 6300191"/>
+              <a:gd name="connsiteY3" fmla="*/ 6046436 h 6046436"/>
+              <a:gd name="connsiteX4" fmla="*/ 0 w 6300191"/>
+              <a:gd name="connsiteY4" fmla="*/ 6046436 h 6046436"/>
+              <a:gd name="connsiteX5" fmla="*/ 0 w 6300191"/>
+              <a:gd name="connsiteY5" fmla="*/ 0 h 6046436"/>
+              <a:gd name="connsiteX0-1" fmla="*/ 0 w 6300191"/>
+              <a:gd name="connsiteY0-2" fmla="*/ 0 h 6046436"/>
+              <a:gd name="connsiteX1-3" fmla="*/ 3977513 w 6300191"/>
+              <a:gd name="connsiteY1-4" fmla="*/ 0 h 6046436"/>
+              <a:gd name="connsiteX2-5" fmla="*/ 6300191 w 6300191"/>
+              <a:gd name="connsiteY2-6" fmla="*/ 3023218 h 6046436"/>
+              <a:gd name="connsiteX3-7" fmla="*/ 4652070 w 6300191"/>
+              <a:gd name="connsiteY3-8" fmla="*/ 5154521 h 6046436"/>
+              <a:gd name="connsiteX4-9" fmla="*/ 0 w 6300191"/>
+              <a:gd name="connsiteY4-10" fmla="*/ 6046436 h 6046436"/>
+              <a:gd name="connsiteX5-11" fmla="*/ 0 w 6300191"/>
+              <a:gd name="connsiteY5-12" fmla="*/ 0 h 6046436"/>
+              <a:gd name="connsiteX0-13" fmla="*/ 0 w 6300191"/>
+              <a:gd name="connsiteY0-14" fmla="*/ 0 h 5184502"/>
+              <a:gd name="connsiteX1-15" fmla="*/ 3977513 w 6300191"/>
+              <a:gd name="connsiteY1-16" fmla="*/ 0 h 5184502"/>
+              <a:gd name="connsiteX2-17" fmla="*/ 6300191 w 6300191"/>
+              <a:gd name="connsiteY2-18" fmla="*/ 3023218 h 5184502"/>
+              <a:gd name="connsiteX3-19" fmla="*/ 4652070 w 6300191"/>
+              <a:gd name="connsiteY3-20" fmla="*/ 5154521 h 5184502"/>
+              <a:gd name="connsiteX4-21" fmla="*/ 14990 w 6300191"/>
+              <a:gd name="connsiteY4-22" fmla="*/ 5184502 h 5184502"/>
+              <a:gd name="connsiteX5-23" fmla="*/ 0 w 6300191"/>
+              <a:gd name="connsiteY5-24" fmla="*/ 0 h 5184502"/>
+              <a:gd name="connsiteX0-25" fmla="*/ 0 w 6300191"/>
+              <a:gd name="connsiteY0-26" fmla="*/ 0 h 5191998"/>
+              <a:gd name="connsiteX1-27" fmla="*/ 3977513 w 6300191"/>
+              <a:gd name="connsiteY1-28" fmla="*/ 0 h 5191998"/>
+              <a:gd name="connsiteX2-29" fmla="*/ 6300191 w 6300191"/>
+              <a:gd name="connsiteY2-30" fmla="*/ 3023218 h 5191998"/>
+              <a:gd name="connsiteX3-31" fmla="*/ 4652070 w 6300191"/>
+              <a:gd name="connsiteY3-32" fmla="*/ 5154521 h 5191998"/>
+              <a:gd name="connsiteX4-33" fmla="*/ 37476 w 6300191"/>
+              <a:gd name="connsiteY4-34" fmla="*/ 5191998 h 5191998"/>
+              <a:gd name="connsiteX5-35" fmla="*/ 0 w 6300191"/>
+              <a:gd name="connsiteY5-36" fmla="*/ 0 h 5191998"/>
+              <a:gd name="connsiteX0-37" fmla="*/ 0 w 6300191"/>
+              <a:gd name="connsiteY0-38" fmla="*/ 0 h 5191998"/>
+              <a:gd name="connsiteX1-39" fmla="*/ 3977513 w 6300191"/>
+              <a:gd name="connsiteY1-40" fmla="*/ 0 h 5191998"/>
+              <a:gd name="connsiteX2-41" fmla="*/ 6300191 w 6300191"/>
+              <a:gd name="connsiteY2-42" fmla="*/ 3023218 h 5191998"/>
+              <a:gd name="connsiteX3-43" fmla="*/ 4652070 w 6300191"/>
+              <a:gd name="connsiteY3-44" fmla="*/ 5154521 h 5191998"/>
+              <a:gd name="connsiteX4-45" fmla="*/ 22485 w 6300191"/>
+              <a:gd name="connsiteY4-46" fmla="*/ 5191998 h 5191998"/>
+              <a:gd name="connsiteX5-47" fmla="*/ 0 w 6300191"/>
+              <a:gd name="connsiteY5-48" fmla="*/ 0 h 5191998"/>
+              <a:gd name="connsiteX0-49" fmla="*/ 0 w 6300191"/>
+              <a:gd name="connsiteY0-50" fmla="*/ 0 h 5191998"/>
+              <a:gd name="connsiteX1-51" fmla="*/ 3977513 w 6300191"/>
+              <a:gd name="connsiteY1-52" fmla="*/ 0 h 5191998"/>
+              <a:gd name="connsiteX2-53" fmla="*/ 6300191 w 6300191"/>
+              <a:gd name="connsiteY2-54" fmla="*/ 3023218 h 5191998"/>
+              <a:gd name="connsiteX3-55" fmla="*/ 4652070 w 6300191"/>
+              <a:gd name="connsiteY3-56" fmla="*/ 5154521 h 5191998"/>
+              <a:gd name="connsiteX4-57" fmla="*/ 14990 w 6300191"/>
+              <a:gd name="connsiteY4-58" fmla="*/ 5191998 h 5191998"/>
+              <a:gd name="connsiteX5-59" fmla="*/ 0 w 6300191"/>
+              <a:gd name="connsiteY5-60" fmla="*/ 0 h 5191998"/>
+              <a:gd name="connsiteX0-61" fmla="*/ 0 w 6300191"/>
+              <a:gd name="connsiteY0-62" fmla="*/ 0 h 5191998"/>
+              <a:gd name="connsiteX1-63" fmla="*/ 3977513 w 6300191"/>
+              <a:gd name="connsiteY1-64" fmla="*/ 0 h 5191998"/>
+              <a:gd name="connsiteX2-65" fmla="*/ 6300191 w 6300191"/>
+              <a:gd name="connsiteY2-66" fmla="*/ 3023218 h 5191998"/>
+              <a:gd name="connsiteX3-67" fmla="*/ 4652070 w 6300191"/>
+              <a:gd name="connsiteY3-68" fmla="*/ 5154521 h 5191998"/>
+              <a:gd name="connsiteX4-69" fmla="*/ 7495 w 6300191"/>
+              <a:gd name="connsiteY4-70" fmla="*/ 5191998 h 5191998"/>
+              <a:gd name="connsiteX5-71" fmla="*/ 0 w 6300191"/>
+              <a:gd name="connsiteY5-72" fmla="*/ 0 h 5191998"/>
+              <a:gd name="connsiteX0-73" fmla="*/ 1442 w 6301633"/>
+              <a:gd name="connsiteY0-74" fmla="*/ 0 h 5154522"/>
+              <a:gd name="connsiteX1-75" fmla="*/ 3978955 w 6301633"/>
+              <a:gd name="connsiteY1-76" fmla="*/ 0 h 5154522"/>
+              <a:gd name="connsiteX2-77" fmla="*/ 6301633 w 6301633"/>
+              <a:gd name="connsiteY2-78" fmla="*/ 3023218 h 5154522"/>
+              <a:gd name="connsiteX3-79" fmla="*/ 4653512 w 6301633"/>
+              <a:gd name="connsiteY3-80" fmla="*/ 5154521 h 5154522"/>
+              <a:gd name="connsiteX4-81" fmla="*/ 1442 w 6301633"/>
+              <a:gd name="connsiteY4-82" fmla="*/ 5154522 h 5154522"/>
+              <a:gd name="connsiteX5-83" fmla="*/ 1442 w 6301633"/>
+              <a:gd name="connsiteY5-84" fmla="*/ 0 h 5154522"/>
+              <a:gd name="connsiteX0-85" fmla="*/ 0 w 6300191"/>
+              <a:gd name="connsiteY0-86" fmla="*/ 0 h 5154521"/>
+              <a:gd name="connsiteX1-87" fmla="*/ 3977513 w 6300191"/>
+              <a:gd name="connsiteY1-88" fmla="*/ 0 h 5154521"/>
+              <a:gd name="connsiteX2-89" fmla="*/ 6300191 w 6300191"/>
+              <a:gd name="connsiteY2-90" fmla="*/ 3023218 h 5154521"/>
+              <a:gd name="connsiteX3-91" fmla="*/ 4652070 w 6300191"/>
+              <a:gd name="connsiteY3-92" fmla="*/ 5154521 h 5154521"/>
+              <a:gd name="connsiteX4-93" fmla="*/ 831954 w 6300191"/>
+              <a:gd name="connsiteY4-94" fmla="*/ 5034601 h 5154521"/>
+              <a:gd name="connsiteX5-95" fmla="*/ 0 w 6300191"/>
+              <a:gd name="connsiteY5-96" fmla="*/ 0 h 5154521"/>
+              <a:gd name="connsiteX0-97" fmla="*/ 0 w 6300191"/>
+              <a:gd name="connsiteY0-98" fmla="*/ 0 h 5162017"/>
+              <a:gd name="connsiteX1-99" fmla="*/ 3977513 w 6300191"/>
+              <a:gd name="connsiteY1-100" fmla="*/ 0 h 5162017"/>
+              <a:gd name="connsiteX2-101" fmla="*/ 6300191 w 6300191"/>
+              <a:gd name="connsiteY2-102" fmla="*/ 3023218 h 5162017"/>
+              <a:gd name="connsiteX3-103" fmla="*/ 4652070 w 6300191"/>
+              <a:gd name="connsiteY3-104" fmla="*/ 5154521 h 5162017"/>
+              <a:gd name="connsiteX4-105" fmla="*/ 449705 w 6300191"/>
+              <a:gd name="connsiteY4-106" fmla="*/ 5162017 h 5162017"/>
+              <a:gd name="connsiteX5-107" fmla="*/ 0 w 6300191"/>
+              <a:gd name="connsiteY5-108" fmla="*/ 0 h 5162017"/>
+              <a:gd name="connsiteX0-109" fmla="*/ 247410 w 5850558"/>
+              <a:gd name="connsiteY0-110" fmla="*/ 22485 h 5162017"/>
+              <a:gd name="connsiteX1-111" fmla="*/ 3527880 w 5850558"/>
+              <a:gd name="connsiteY1-112" fmla="*/ 0 h 5162017"/>
+              <a:gd name="connsiteX2-113" fmla="*/ 5850558 w 5850558"/>
+              <a:gd name="connsiteY2-114" fmla="*/ 3023218 h 5162017"/>
+              <a:gd name="connsiteX3-115" fmla="*/ 4202437 w 5850558"/>
+              <a:gd name="connsiteY3-116" fmla="*/ 5154521 h 5162017"/>
+              <a:gd name="connsiteX4-117" fmla="*/ 72 w 5850558"/>
+              <a:gd name="connsiteY4-118" fmla="*/ 5162017 h 5162017"/>
+              <a:gd name="connsiteX5-119" fmla="*/ 247410 w 5850558"/>
+              <a:gd name="connsiteY5-120" fmla="*/ 22485 h 5162017"/>
+              <a:gd name="connsiteX0-121" fmla="*/ 1442 w 5851928"/>
+              <a:gd name="connsiteY0-122" fmla="*/ 0 h 5162017"/>
+              <a:gd name="connsiteX1-123" fmla="*/ 3529250 w 5851928"/>
+              <a:gd name="connsiteY1-124" fmla="*/ 0 h 5162017"/>
+              <a:gd name="connsiteX2-125" fmla="*/ 5851928 w 5851928"/>
+              <a:gd name="connsiteY2-126" fmla="*/ 3023218 h 5162017"/>
+              <a:gd name="connsiteX3-127" fmla="*/ 4203807 w 5851928"/>
+              <a:gd name="connsiteY3-128" fmla="*/ 5154521 h 5162017"/>
+              <a:gd name="connsiteX4-129" fmla="*/ 1442 w 5851928"/>
+              <a:gd name="connsiteY4-130" fmla="*/ 5162017 h 5162017"/>
+              <a:gd name="connsiteX5-131" fmla="*/ 1442 w 5851928"/>
+              <a:gd name="connsiteY5-132" fmla="*/ 0 h 5162017"/>
+              <a:gd name="connsiteX0-133" fmla="*/ 1442 w 5851928"/>
+              <a:gd name="connsiteY0-134" fmla="*/ 0 h 5162017"/>
+              <a:gd name="connsiteX1-135" fmla="*/ 3529250 w 5851928"/>
+              <a:gd name="connsiteY1-136" fmla="*/ 0 h 5162017"/>
+              <a:gd name="connsiteX2-137" fmla="*/ 5851928 w 5851928"/>
+              <a:gd name="connsiteY2-138" fmla="*/ 3023218 h 5162017"/>
+              <a:gd name="connsiteX3-139" fmla="*/ 4008935 w 5851928"/>
+              <a:gd name="connsiteY3-140" fmla="*/ 5154521 h 5162017"/>
+              <a:gd name="connsiteX4-141" fmla="*/ 1442 w 5851928"/>
+              <a:gd name="connsiteY4-142" fmla="*/ 5162017 h 5162017"/>
+              <a:gd name="connsiteX5-143" fmla="*/ 1442 w 5851928"/>
+              <a:gd name="connsiteY5-144" fmla="*/ 0 h 5162017"/>
+              <a:gd name="connsiteX0-145" fmla="*/ 0 w 5850486"/>
+              <a:gd name="connsiteY0-146" fmla="*/ 0 h 5154521"/>
+              <a:gd name="connsiteX1-147" fmla="*/ 3527808 w 5850486"/>
+              <a:gd name="connsiteY1-148" fmla="*/ 0 h 5154521"/>
+              <a:gd name="connsiteX2-149" fmla="*/ 5850486 w 5850486"/>
+              <a:gd name="connsiteY2-150" fmla="*/ 3023218 h 5154521"/>
+              <a:gd name="connsiteX3-151" fmla="*/ 4007493 w 5850486"/>
+              <a:gd name="connsiteY3-152" fmla="*/ 5154521 h 5154521"/>
+              <a:gd name="connsiteX4-153" fmla="*/ 22485 w 5850486"/>
+              <a:gd name="connsiteY4-154" fmla="*/ 5147027 h 5154521"/>
+              <a:gd name="connsiteX5-155" fmla="*/ 0 w 5850486"/>
+              <a:gd name="connsiteY5-156" fmla="*/ 0 h 5154521"/>
+              <a:gd name="connsiteX0-157" fmla="*/ 8403 w 5828909"/>
+              <a:gd name="connsiteY0-158" fmla="*/ 0 h 5154521"/>
+              <a:gd name="connsiteX1-159" fmla="*/ 3506231 w 5828909"/>
+              <a:gd name="connsiteY1-160" fmla="*/ 0 h 5154521"/>
+              <a:gd name="connsiteX2-161" fmla="*/ 5828909 w 5828909"/>
+              <a:gd name="connsiteY2-162" fmla="*/ 3023218 h 5154521"/>
+              <a:gd name="connsiteX3-163" fmla="*/ 3985916 w 5828909"/>
+              <a:gd name="connsiteY3-164" fmla="*/ 5154521 h 5154521"/>
+              <a:gd name="connsiteX4-165" fmla="*/ 908 w 5828909"/>
+              <a:gd name="connsiteY4-166" fmla="*/ 5147027 h 5154521"/>
+              <a:gd name="connsiteX5-167" fmla="*/ 8403 w 5828909"/>
+              <a:gd name="connsiteY5-168" fmla="*/ 0 h 5154521"/>
+              <a:gd name="connsiteX0-169" fmla="*/ 0 w 5842991"/>
+              <a:gd name="connsiteY0-170" fmla="*/ 0 h 5154521"/>
+              <a:gd name="connsiteX1-171" fmla="*/ 3520313 w 5842991"/>
+              <a:gd name="connsiteY1-172" fmla="*/ 0 h 5154521"/>
+              <a:gd name="connsiteX2-173" fmla="*/ 5842991 w 5842991"/>
+              <a:gd name="connsiteY2-174" fmla="*/ 3023218 h 5154521"/>
+              <a:gd name="connsiteX3-175" fmla="*/ 3999998 w 5842991"/>
+              <a:gd name="connsiteY3-176" fmla="*/ 5154521 h 5154521"/>
+              <a:gd name="connsiteX4-177" fmla="*/ 14990 w 5842991"/>
+              <a:gd name="connsiteY4-178" fmla="*/ 5147027 h 5154521"/>
+              <a:gd name="connsiteX5-179" fmla="*/ 0 w 5842991"/>
+              <a:gd name="connsiteY5-180" fmla="*/ 0 h 5154521"/>
+              <a:gd name="connsiteX0-181" fmla="*/ 8402 w 5851393"/>
+              <a:gd name="connsiteY0-182" fmla="*/ 0 h 5154521"/>
+              <a:gd name="connsiteX1-183" fmla="*/ 3528715 w 5851393"/>
+              <a:gd name="connsiteY1-184" fmla="*/ 0 h 5154521"/>
+              <a:gd name="connsiteX2-185" fmla="*/ 5851393 w 5851393"/>
+              <a:gd name="connsiteY2-186" fmla="*/ 3023218 h 5154521"/>
+              <a:gd name="connsiteX3-187" fmla="*/ 4008400 w 5851393"/>
+              <a:gd name="connsiteY3-188" fmla="*/ 5154521 h 5154521"/>
+              <a:gd name="connsiteX4-189" fmla="*/ 907 w 5851393"/>
+              <a:gd name="connsiteY4-190" fmla="*/ 5147027 h 5154521"/>
+              <a:gd name="connsiteX5-191" fmla="*/ 8402 w 5851393"/>
+              <a:gd name="connsiteY5-192" fmla="*/ 0 h 5154521"/>
+            </a:gdLst>
+            <a:ahLst/>
+            <a:cxnLst>
+              <a:cxn ang="0">
+                <a:pos x="connsiteX0-1" y="connsiteY0-2"/>
+              </a:cxn>
+              <a:cxn ang="0">
+                <a:pos x="connsiteX1-3" y="connsiteY1-4"/>
+              </a:cxn>
+              <a:cxn ang="0">
+                <a:pos x="connsiteX2-5" y="connsiteY2-6"/>
+              </a:cxn>
+              <a:cxn ang="0">
+                <a:pos x="connsiteX3-7" y="connsiteY3-8"/>
+              </a:cxn>
+              <a:cxn ang="0">
+                <a:pos x="connsiteX4-9" y="connsiteY4-10"/>
+              </a:cxn>
+              <a:cxn ang="0">
+                <a:pos x="connsiteX5-11" y="connsiteY5-12"/>
+              </a:cxn>
+            </a:cxnLst>
+            <a:rect l="l" t="t" r="r" b="b"/>
+            <a:pathLst>
+              <a:path w="5851393" h="5154521">
+                <a:moveTo>
+                  <a:pt x="8402" y="0"/>
+                </a:moveTo>
+                <a:lnTo>
+                  <a:pt x="3528715" y="0"/>
+                </a:lnTo>
+                <a:lnTo>
+                  <a:pt x="5851393" y="3023218"/>
+                </a:lnTo>
+                <a:lnTo>
+                  <a:pt x="4008400" y="5154521"/>
+                </a:lnTo>
+                <a:lnTo>
+                  <a:pt x="907" y="5147027"/>
+                </a:lnTo>
+                <a:cubicBezTo>
+                  <a:pt x="-4090" y="3418860"/>
+                  <a:pt x="13399" y="1728167"/>
+                  <a:pt x="8402" y="0"/>
+                </a:cubicBezTo>
+                <a:close/>
+              </a:path>
+            </a:pathLst>
+          </a:custGeom>
+          <a:solidFill>
+            <a:schemeClr val="bg1"/>
+          </a:solidFill>
+          <a:ln>
+            <a:noFill/>
+          </a:ln>
+        </p:spPr>
+        <p:style>
+          <a:lnRef idx="2">
+            <a:schemeClr val="accent1">
+              <a:shade val="50000"/>
+            </a:schemeClr>
+          </a:lnRef>
+          <a:fillRef idx="1">
+            <a:schemeClr val="accent1"/>
+          </a:fillRef>
+          <a:effectRef idx="0">
+            <a:schemeClr val="accent1"/>
+          </a:effectRef>
+          <a:fontRef idx="minor">
+            <a:schemeClr val="lt1"/>
+          </a:fontRef>
+        </p:style>
+        <p:txBody>
+          <a:bodyPr rtlCol="0" anchor="ctr"/>
+          <a:lstStyle/>
+          <a:p>
+            <a:pPr algn="ctr" defTabSz="1217930">
+              <a:defRPr/>
+            </a:pPr>
+            <a:endParaRPr lang="es-ES" sz="2400">
+              <a:solidFill>
+                <a:prstClr val="white"/>
+              </a:solidFill>
+              <a:latin typeface="Calibri" panose="020F0502020204030204"/>
+            </a:endParaRPr>
+          </a:p>
+        </p:txBody>
+      </p:sp>
+      <p:pic>
+        <p:nvPicPr>
+          <p:cNvPr id="15" name="Imagen 14"/>
+          <p:cNvPicPr>
+            <a:picLocks noChangeAspect="1"/>
+          </p:cNvPicPr>
+          <p:nvPr/>
+        </p:nvPicPr>
+        <p:blipFill>
+          <a:blip r:embed="rId1" cstate="screen"/>
+          <a:stretch>
+            <a:fillRect/>
+          </a:stretch>
+        </p:blipFill>
+        <p:spPr>
+          <a:xfrm>
+            <a:off x="8589969" y="346978"/>
+            <a:ext cx="3311066" cy="503538"/>
+          </a:xfrm>
+          <a:prstGeom prst="rect">
+            <a:avLst/>
+          </a:prstGeom>
+        </p:spPr>
+      </p:pic>
+      <p:sp>
+        <p:nvSpPr>
+          <p:cNvPr id="16" name="CuadroTexto 15"/>
           <p:cNvSpPr txBox="1"/>
           <p:nvPr/>
         </p:nvSpPr>
         <p:spPr>
           <a:xfrm>
-            <a:off x="1351915" y="1779270"/>
-            <a:ext cx="8200390" cy="460375"/>
+            <a:off x="580841" y="334124"/>
+            <a:ext cx="5035551" cy="1568378"/>
           </a:xfrm>
           <a:prstGeom prst="rect">
             <a:avLst/>
@@ -7890,12 +8641,370 @@
           <a:bodyPr wrap="square" rtlCol="0">
             <a:spAutoFit/>
           </a:bodyPr>
-          <a:p>
-            <a:r>
-              <a:rPr lang="es-ES" altLang="en-US"/>
-              <a:t>Workshop Generar una libreria</a:t>
-            </a:r>
-            <a:endParaRPr lang="es-ES" altLang="en-US"/>
+          <a:lstStyle/>
+          <a:p>
+            <a:pPr defTabSz="1217930">
+              <a:defRPr/>
+            </a:pPr>
+            <a:r>
+              <a:rPr lang="es-ES" sz="4795" dirty="0">
+                <a:solidFill>
+                  <a:prstClr val="white"/>
+                </a:solidFill>
+                <a:latin typeface="Bebas Neue Regular" panose="00000500000000000000" pitchFamily="50" charset="0"/>
+                <a:ea typeface="Bebas Neue" charset="0"/>
+                <a:cs typeface="Bebas Neue" charset="0"/>
+              </a:rPr>
+              <a:t>¿quieres crecer con </a:t>
+            </a:r>
+            <a:r>
+              <a:rPr lang="es-ES" sz="4265" dirty="0">
+                <a:solidFill>
+                  <a:prstClr val="white"/>
+                </a:solidFill>
+                <a:latin typeface="Bebas Neue Regular" panose="00000500000000000000" pitchFamily="50" charset="0"/>
+                <a:ea typeface="Bebas Neue" charset="0"/>
+                <a:cs typeface="Bebas Neue" charset="0"/>
+              </a:rPr>
+              <a:t>nosotros</a:t>
+            </a:r>
+            <a:r>
+              <a:rPr lang="es-ES" sz="4795" dirty="0">
+                <a:solidFill>
+                  <a:prstClr val="white"/>
+                </a:solidFill>
+                <a:latin typeface="Bebas Neue Regular" panose="00000500000000000000" pitchFamily="50" charset="0"/>
+                <a:ea typeface="Bebas Neue" charset="0"/>
+                <a:cs typeface="Bebas Neue" charset="0"/>
+              </a:rPr>
+              <a:t>?</a:t>
+            </a:r>
+            <a:endParaRPr lang="es-ES" sz="4795" dirty="0">
+              <a:solidFill>
+                <a:prstClr val="white"/>
+              </a:solidFill>
+              <a:latin typeface="Bebas Neue Regular" panose="00000500000000000000" pitchFamily="50" charset="0"/>
+              <a:ea typeface="Bebas Neue" charset="0"/>
+              <a:cs typeface="Bebas Neue" charset="0"/>
+            </a:endParaRPr>
+          </a:p>
+        </p:txBody>
+      </p:sp>
+      <p:sp>
+        <p:nvSpPr>
+          <p:cNvPr id="17" name="CuadroTexto 16"/>
+          <p:cNvSpPr txBox="1"/>
+          <p:nvPr/>
+        </p:nvSpPr>
+        <p:spPr>
+          <a:xfrm>
+            <a:off x="580840" y="4730569"/>
+            <a:ext cx="3357430" cy="502317"/>
+          </a:xfrm>
+          <a:prstGeom prst="rect">
+            <a:avLst/>
+          </a:prstGeom>
+          <a:noFill/>
+        </p:spPr>
+        <p:txBody>
+          <a:bodyPr wrap="square" rtlCol="0">
+            <a:spAutoFit/>
+          </a:bodyPr>
+          <a:lstStyle/>
+          <a:p>
+            <a:pPr defTabSz="1217930">
+              <a:defRPr/>
+            </a:pPr>
+            <a:r>
+              <a:rPr lang="es-ES" sz="2665" b="1" dirty="0">
+                <a:solidFill>
+                  <a:prstClr val="white"/>
+                </a:solidFill>
+                <a:latin typeface="Roboto Light" panose="02000000000000000000" pitchFamily="2" charset="0"/>
+                <a:ea typeface="Roboto Light" panose="02000000000000000000" pitchFamily="2" charset="0"/>
+                <a:cs typeface="Roboto Light" panose="02000000000000000000" pitchFamily="2" charset="0"/>
+              </a:rPr>
+              <a:t>Contacto</a:t>
+            </a:r>
+            <a:endParaRPr lang="es-ES" sz="2665" b="1" dirty="0">
+              <a:solidFill>
+                <a:prstClr val="white"/>
+              </a:solidFill>
+              <a:latin typeface="Roboto Light" panose="02000000000000000000" pitchFamily="2" charset="0"/>
+              <a:ea typeface="Roboto Light" panose="02000000000000000000" pitchFamily="2" charset="0"/>
+              <a:cs typeface="Roboto Light" panose="02000000000000000000" pitchFamily="2" charset="0"/>
+            </a:endParaRPr>
+          </a:p>
+        </p:txBody>
+      </p:sp>
+      <p:pic>
+        <p:nvPicPr>
+          <p:cNvPr id="18" name="Imagen 17"/>
+          <p:cNvPicPr>
+            <a:picLocks noChangeAspect="1"/>
+          </p:cNvPicPr>
+          <p:nvPr/>
+        </p:nvPicPr>
+        <p:blipFill>
+          <a:blip r:embed="rId2" cstate="screen">
+            <a:biLevel thresh="25000"/>
+          </a:blip>
+          <a:stretch>
+            <a:fillRect/>
+          </a:stretch>
+        </p:blipFill>
+        <p:spPr>
+          <a:xfrm>
+            <a:off x="648111" y="5401981"/>
+            <a:ext cx="410998" cy="410998"/>
+          </a:xfrm>
+          <a:prstGeom prst="rect">
+            <a:avLst/>
+          </a:prstGeom>
+        </p:spPr>
+      </p:pic>
+      <p:pic>
+        <p:nvPicPr>
+          <p:cNvPr id="19" name="Imagen 18"/>
+          <p:cNvPicPr>
+            <a:picLocks noChangeAspect="1"/>
+          </p:cNvPicPr>
+          <p:nvPr/>
+        </p:nvPicPr>
+        <p:blipFill>
+          <a:blip r:embed="rId3" cstate="screen">
+            <a:biLevel thresh="25000"/>
+          </a:blip>
+          <a:stretch>
+            <a:fillRect/>
+          </a:stretch>
+        </p:blipFill>
+        <p:spPr>
+          <a:xfrm>
+            <a:off x="637560" y="6035155"/>
+            <a:ext cx="421550" cy="421550"/>
+          </a:xfrm>
+          <a:prstGeom prst="rect">
+            <a:avLst/>
+          </a:prstGeom>
+        </p:spPr>
+      </p:pic>
+      <p:sp>
+        <p:nvSpPr>
+          <p:cNvPr id="20" name="CuadroTexto 19"/>
+          <p:cNvSpPr txBox="1"/>
+          <p:nvPr/>
+        </p:nvSpPr>
+        <p:spPr>
+          <a:xfrm>
+            <a:off x="1152520" y="5337086"/>
+            <a:ext cx="3984262" cy="502317"/>
+          </a:xfrm>
+          <a:prstGeom prst="rect">
+            <a:avLst/>
+          </a:prstGeom>
+          <a:noFill/>
+        </p:spPr>
+        <p:txBody>
+          <a:bodyPr wrap="square" rtlCol="0">
+            <a:spAutoFit/>
+          </a:bodyPr>
+          <a:lstStyle/>
+          <a:p>
+            <a:pPr defTabSz="1217930">
+              <a:defRPr/>
+            </a:pPr>
+            <a:r>
+              <a:rPr lang="es-ES" sz="2665" dirty="0">
+                <a:solidFill>
+                  <a:prstClr val="white"/>
+                </a:solidFill>
+                <a:latin typeface="Roboto Light" panose="02000000000000000000" pitchFamily="2" charset="0"/>
+                <a:ea typeface="Roboto Light" panose="02000000000000000000" pitchFamily="2" charset="0"/>
+                <a:cs typeface="Roboto Light" panose="02000000000000000000" pitchFamily="2" charset="0"/>
+              </a:rPr>
+              <a:t>+34 902 877 392</a:t>
+            </a:r>
+            <a:endParaRPr lang="es-ES" sz="2665" dirty="0">
+              <a:solidFill>
+                <a:prstClr val="white"/>
+              </a:solidFill>
+              <a:latin typeface="Roboto Light" panose="02000000000000000000" pitchFamily="2" charset="0"/>
+              <a:ea typeface="Roboto Light" panose="02000000000000000000" pitchFamily="2" charset="0"/>
+              <a:cs typeface="Roboto Light" panose="02000000000000000000" pitchFamily="2" charset="0"/>
+            </a:endParaRPr>
+          </a:p>
+        </p:txBody>
+      </p:sp>
+      <p:sp>
+        <p:nvSpPr>
+          <p:cNvPr id="21" name="CuadroTexto 20"/>
+          <p:cNvSpPr txBox="1"/>
+          <p:nvPr/>
+        </p:nvSpPr>
+        <p:spPr>
+          <a:xfrm>
+            <a:off x="1168183" y="5974043"/>
+            <a:ext cx="3984262" cy="502317"/>
+          </a:xfrm>
+          <a:prstGeom prst="rect">
+            <a:avLst/>
+          </a:prstGeom>
+          <a:noFill/>
+        </p:spPr>
+        <p:txBody>
+          <a:bodyPr wrap="square" rtlCol="0">
+            <a:spAutoFit/>
+          </a:bodyPr>
+          <a:lstStyle/>
+          <a:p>
+            <a:pPr defTabSz="1217930">
+              <a:defRPr/>
+            </a:pPr>
+            <a:r>
+              <a:rPr lang="es-ES" sz="2665" dirty="0">
+                <a:solidFill>
+                  <a:prstClr val="white"/>
+                </a:solidFill>
+                <a:latin typeface="Roboto Light" panose="02000000000000000000" pitchFamily="2" charset="0"/>
+                <a:ea typeface="Roboto Light" panose="02000000000000000000" pitchFamily="2" charset="0"/>
+                <a:cs typeface="Roboto Light" panose="02000000000000000000" pitchFamily="2" charset="0"/>
+              </a:rPr>
+              <a:t>www.hiberus.com</a:t>
+            </a:r>
+            <a:endParaRPr lang="es-ES" sz="2665" dirty="0">
+              <a:solidFill>
+                <a:prstClr val="white"/>
+              </a:solidFill>
+              <a:latin typeface="Roboto Light" panose="02000000000000000000" pitchFamily="2" charset="0"/>
+              <a:ea typeface="Roboto Light" panose="02000000000000000000" pitchFamily="2" charset="0"/>
+              <a:cs typeface="Roboto Light" panose="02000000000000000000" pitchFamily="2" charset="0"/>
+            </a:endParaRPr>
+          </a:p>
+        </p:txBody>
+      </p:sp>
+      <p:sp>
+        <p:nvSpPr>
+          <p:cNvPr id="22" name="Shape 433"/>
+          <p:cNvSpPr/>
+          <p:nvPr/>
+        </p:nvSpPr>
+        <p:spPr>
+          <a:xfrm>
+            <a:off x="6288771" y="2377761"/>
+            <a:ext cx="5563466" cy="2392102"/>
+          </a:xfrm>
+          <a:prstGeom prst="rect">
+            <a:avLst/>
+          </a:prstGeom>
+          <a:ln w="12700">
+            <a:miter lim="400000"/>
+          </a:ln>
+        </p:spPr>
+        <p:txBody>
+          <a:bodyPr wrap="square" lIns="47580" tIns="47580" rIns="47580" bIns="47580" anchor="t">
+            <a:spAutoFit/>
+          </a:bodyPr>
+          <a:lstStyle/>
+          <a:p>
+            <a:pPr algn="just" defTabSz="1217930">
+              <a:defRPr sz="2600">
+                <a:solidFill>
+                  <a:srgbClr val="343432"/>
+                </a:solidFill>
+                <a:latin typeface="Roboto Medium"/>
+                <a:ea typeface="Roboto Medium"/>
+                <a:cs typeface="Roboto Medium"/>
+                <a:sym typeface="Roboto Medium"/>
+              </a:defRPr>
+            </a:pPr>
+            <a:r>
+              <a:rPr lang="es-ES" sz="1865" dirty="0">
+                <a:solidFill>
+                  <a:prstClr val="white">
+                    <a:lumMod val="50000"/>
+                  </a:prstClr>
+                </a:solidFill>
+                <a:latin typeface="Roboto Light" panose="02000000000000000000" pitchFamily="2" charset="0"/>
+                <a:ea typeface="Roboto Light" panose="02000000000000000000" pitchFamily="2" charset="0"/>
+                <a:cs typeface="Roboto Medium"/>
+                <a:sym typeface="Roboto Medium"/>
+              </a:rPr>
+              <a:t>La información comprendida en esta presentación es confidencial y pertenece a Hiberus Tecnología. </a:t>
+            </a:r>
+            <a:endParaRPr lang="es-ES" sz="1865" dirty="0">
+              <a:solidFill>
+                <a:prstClr val="white">
+                  <a:lumMod val="50000"/>
+                </a:prstClr>
+              </a:solidFill>
+              <a:latin typeface="Roboto Light" panose="02000000000000000000" pitchFamily="2" charset="0"/>
+              <a:ea typeface="Roboto Light" panose="02000000000000000000" pitchFamily="2" charset="0"/>
+              <a:cs typeface="Roboto Medium"/>
+              <a:sym typeface="Roboto Medium"/>
+            </a:endParaRPr>
+          </a:p>
+          <a:p>
+            <a:pPr algn="just" defTabSz="1217930">
+              <a:defRPr sz="2600">
+                <a:solidFill>
+                  <a:srgbClr val="343432"/>
+                </a:solidFill>
+                <a:latin typeface="Roboto Medium"/>
+                <a:ea typeface="Roboto Medium"/>
+                <a:cs typeface="Roboto Medium"/>
+                <a:sym typeface="Roboto Medium"/>
+              </a:defRPr>
+            </a:pPr>
+            <a:endParaRPr lang="es-ES" sz="1865" dirty="0">
+              <a:solidFill>
+                <a:prstClr val="white">
+                  <a:lumMod val="50000"/>
+                </a:prstClr>
+              </a:solidFill>
+              <a:latin typeface="Roboto Light" panose="02000000000000000000" pitchFamily="2" charset="0"/>
+              <a:ea typeface="Roboto Light" panose="02000000000000000000" pitchFamily="2" charset="0"/>
+              <a:cs typeface="Roboto Medium"/>
+              <a:sym typeface="Roboto Medium"/>
+            </a:endParaRPr>
+          </a:p>
+          <a:p>
+            <a:pPr algn="just" defTabSz="1217930">
+              <a:defRPr sz="2600">
+                <a:solidFill>
+                  <a:srgbClr val="343432"/>
+                </a:solidFill>
+                <a:latin typeface="Roboto Medium"/>
+                <a:ea typeface="Roboto Medium"/>
+                <a:cs typeface="Roboto Medium"/>
+                <a:sym typeface="Roboto Medium"/>
+              </a:defRPr>
+            </a:pPr>
+            <a:r>
+              <a:rPr lang="es-ES" sz="1865" dirty="0">
+                <a:solidFill>
+                  <a:prstClr val="white">
+                    <a:lumMod val="50000"/>
+                  </a:prstClr>
+                </a:solidFill>
+                <a:latin typeface="Roboto Light" panose="02000000000000000000" pitchFamily="2" charset="0"/>
+                <a:ea typeface="Roboto Light" panose="02000000000000000000" pitchFamily="2" charset="0"/>
+                <a:cs typeface="Roboto Medium"/>
+                <a:sym typeface="Roboto Medium"/>
+              </a:rPr>
+              <a:t>Cualquier forma de divulgación, reproducción, copia o distribución total o parcial de la misma queda prohibida, no pudiendo ser utilizado su contenido para otros fines sin la autorización expresa por escrito de Hiberus Tecnología.</a:t>
+            </a:r>
+            <a:endParaRPr lang="es-ES" sz="1865" dirty="0">
+              <a:solidFill>
+                <a:prstClr val="white">
+                  <a:lumMod val="50000"/>
+                </a:prstClr>
+              </a:solidFill>
+              <a:latin typeface="Roboto Light" panose="02000000000000000000" pitchFamily="2" charset="0"/>
+              <a:ea typeface="Roboto Light" panose="02000000000000000000" pitchFamily="2" charset="0"/>
+              <a:cs typeface="Roboto Medium"/>
+              <a:sym typeface="Roboto Medium"/>
+            </a:endParaRPr>
           </a:p>
         </p:txBody>
       </p:sp>
@@ -8117,59 +9226,6 @@
 </file>
 
 <file path=ppt/slides/slide20.xml><?xml version="1.0" encoding="utf-8"?>
-<p:sld xmlns:a="http://schemas.openxmlformats.org/drawingml/2006/main" xmlns:r="http://schemas.openxmlformats.org/officeDocument/2006/relationships" xmlns:p="http://schemas.openxmlformats.org/presentationml/2006/main">
-  <p:cSld>
-    <p:spTree>
-      <p:nvGrpSpPr>
-        <p:cNvPr id="1" name=""/>
-        <p:cNvGrpSpPr/>
-        <p:nvPr/>
-      </p:nvGrpSpPr>
-      <p:grpSpPr>
-        <a:xfrm>
-          <a:off x="0" y="0"/>
-          <a:ext cx="0" cy="0"/>
-          <a:chOff x="0" y="0"/>
-          <a:chExt cx="0" cy="0"/>
-        </a:xfrm>
-      </p:grpSpPr>
-      <p:sp>
-        <p:nvSpPr>
-          <p:cNvPr id="2" name="Título 1"/>
-          <p:cNvSpPr>
-            <a:spLocks noGrp="1"/>
-          </p:cNvSpPr>
-          <p:nvPr>
-            <p:ph type="title"/>
-          </p:nvPr>
-        </p:nvSpPr>
-        <p:spPr/>
-        <p:txBody>
-          <a:bodyPr>
-            <a:normAutofit fontScale="90000"/>
-          </a:bodyPr>
-          <a:lstStyle/>
-          <a:p>
-            <a:r>
-              <a:rPr lang="es-ES" dirty="0" err="1"/>
-              <a:t>XXXXXXXX</a:t>
-            </a:r>
-            <a:br>
-              <a:rPr lang="es-ES" dirty="0" err="1"/>
-            </a:br>
-            <a:endParaRPr lang="es-ES" dirty="0"/>
-          </a:p>
-        </p:txBody>
-      </p:sp>
-    </p:spTree>
-  </p:cSld>
-  <p:clrMapOvr>
-    <a:masterClrMapping/>
-  </p:clrMapOvr>
-</p:sld>
-</file>
-
-<file path=ppt/slides/slide21.xml><?xml version="1.0" encoding="utf-8"?>
 <p:sld xmlns:a="http://schemas.openxmlformats.org/drawingml/2006/main" xmlns:r="http://schemas.openxmlformats.org/officeDocument/2006/relationships" xmlns:p="http://schemas.openxmlformats.org/presentationml/2006/main">
   <p:cSld>
     <p:spTree>
